--- a/Slides/SDHCAL_20170425.pptx
+++ b/Slides/SDHCAL_20170425.pptx
@@ -7,12 +7,17 @@
   <p:sldIdLst>
     <p:sldId id="256" r:id="rId2"/>
     <p:sldId id="257" r:id="rId3"/>
-    <p:sldId id="258" r:id="rId4"/>
-    <p:sldId id="261" r:id="rId5"/>
-    <p:sldId id="259" r:id="rId6"/>
-    <p:sldId id="262" r:id="rId7"/>
-    <p:sldId id="263" r:id="rId8"/>
-    <p:sldId id="260" r:id="rId9"/>
+    <p:sldId id="261" r:id="rId4"/>
+    <p:sldId id="259" r:id="rId5"/>
+    <p:sldId id="262" r:id="rId6"/>
+    <p:sldId id="263" r:id="rId7"/>
+    <p:sldId id="264" r:id="rId8"/>
+    <p:sldId id="265" r:id="rId9"/>
+    <p:sldId id="266" r:id="rId10"/>
+    <p:sldId id="267" r:id="rId11"/>
+    <p:sldId id="260" r:id="rId12"/>
+    <p:sldId id="269" r:id="rId13"/>
+    <p:sldId id="268" r:id="rId14"/>
   </p:sldIdLst>
   <p:sldSz cx="9144000" cy="6858000" type="screen4x3"/>
   <p:notesSz cx="6858000" cy="9144000"/>
@@ -3920,11 +3925,7 @@
             <a:pPr algn="r"/>
             <a:r>
               <a:rPr lang="en-US" altLang="zh-CN" dirty="0" smtClean="0"/>
-              <a:t>2017</a:t>
-            </a:r>
-            <a:r>
-              <a:rPr lang="en-US" altLang="zh-CN" dirty="0" smtClean="0"/>
-              <a:t>/04/26</a:t>
+              <a:t>2017/04/26</a:t>
             </a:r>
             <a:endParaRPr lang="zh-CN" altLang="en-US" dirty="0"/>
           </a:p>
@@ -3940,6 +3941,677 @@
   <p:clrMapOvr>
     <a:masterClrMapping/>
   </p:clrMapOvr>
+  <p:timing>
+    <p:tnLst>
+      <p:par>
+        <p:cTn id="1" dur="indefinite" restart="never" nodeType="tmRoot"/>
+      </p:par>
+    </p:tnLst>
+  </p:timing>
+</p:sld>
+</file>
+
+<file path=ppt/slides/slide10.xml><?xml version="1.0" encoding="utf-8"?>
+<p:sld xmlns:a="http://schemas.openxmlformats.org/drawingml/2006/main" xmlns:r="http://schemas.openxmlformats.org/officeDocument/2006/relationships" xmlns:p="http://schemas.openxmlformats.org/presentationml/2006/main">
+  <p:cSld>
+    <p:spTree>
+      <p:nvGrpSpPr>
+        <p:cNvPr id="1" name=""/>
+        <p:cNvGrpSpPr/>
+        <p:nvPr/>
+      </p:nvGrpSpPr>
+      <p:grpSpPr>
+        <a:xfrm>
+          <a:off x="0" y="0"/>
+          <a:ext cx="0" cy="0"/>
+          <a:chOff x="0" y="0"/>
+          <a:chExt cx="0" cy="0"/>
+        </a:xfrm>
+      </p:grpSpPr>
+      <p:sp>
+        <p:nvSpPr>
+          <p:cNvPr id="2" name="标题 1"/>
+          <p:cNvSpPr>
+            <a:spLocks noGrp="1"/>
+          </p:cNvSpPr>
+          <p:nvPr>
+            <p:ph type="title"/>
+          </p:nvPr>
+        </p:nvSpPr>
+        <p:spPr/>
+        <p:txBody>
+          <a:bodyPr/>
+          <a:lstStyle/>
+          <a:p>
+            <a:r>
+              <a:rPr lang="zh-CN" altLang="en-US" dirty="0" smtClean="0"/>
+              <a:t>计数率</a:t>
+            </a:r>
+            <a:r>
+              <a:rPr lang="en-US" altLang="zh-CN" dirty="0" smtClean="0"/>
+              <a:t>-</a:t>
+            </a:r>
+            <a:r>
+              <a:rPr lang="zh-CN" altLang="en-US" dirty="0" smtClean="0"/>
+              <a:t>阈值关系</a:t>
+            </a:r>
+            <a:endParaRPr lang="zh-CN" altLang="en-US" dirty="0"/>
+          </a:p>
+        </p:txBody>
+      </p:sp>
+      <p:sp>
+        <p:nvSpPr>
+          <p:cNvPr id="3" name="内容占位符 2"/>
+          <p:cNvSpPr>
+            <a:spLocks noGrp="1"/>
+          </p:cNvSpPr>
+          <p:nvPr>
+            <p:ph idx="1"/>
+          </p:nvPr>
+        </p:nvSpPr>
+        <p:spPr/>
+        <p:txBody>
+          <a:bodyPr/>
+          <a:lstStyle/>
+          <a:p>
+            <a:r>
+              <a:rPr lang="zh-CN" altLang="en-US" dirty="0" smtClean="0"/>
+              <a:t>用</a:t>
+            </a:r>
+            <a:r>
+              <a:rPr lang="en-US" altLang="zh-CN" dirty="0" smtClean="0"/>
+              <a:t>X</a:t>
+            </a:r>
+            <a:r>
+              <a:rPr lang="zh-CN" altLang="en-US" dirty="0" smtClean="0"/>
+              <a:t>光机击中一个</a:t>
+            </a:r>
+            <a:r>
+              <a:rPr lang="en-US" altLang="zh-CN" dirty="0" smtClean="0"/>
+              <a:t>Pad</a:t>
+            </a:r>
+            <a:r>
+              <a:rPr lang="zh-CN" altLang="en-US" dirty="0" smtClean="0"/>
+              <a:t>，然后扫描阈值，得到计数率和阈值的关系，最后再将阈值转换成电荷量</a:t>
+            </a:r>
+            <a:endParaRPr lang="zh-CN" altLang="en-US" dirty="0"/>
+          </a:p>
+        </p:txBody>
+      </p:sp>
+      <p:pic>
+        <p:nvPicPr>
+          <p:cNvPr id="5" name="图片 4"/>
+          <p:cNvPicPr>
+            <a:picLocks noChangeAspect="1"/>
+          </p:cNvPicPr>
+          <p:nvPr/>
+        </p:nvPicPr>
+        <p:blipFill>
+          <a:blip r:embed="rId2">
+            <a:extLst>
+              <a:ext uri="{28A0092B-C50C-407E-A947-70E740481C1C}">
+                <a14:useLocalDpi xmlns:a14="http://schemas.microsoft.com/office/drawing/2010/main" val="0"/>
+              </a:ext>
+            </a:extLst>
+          </a:blip>
+          <a:stretch>
+            <a:fillRect/>
+          </a:stretch>
+        </p:blipFill>
+        <p:spPr>
+          <a:xfrm>
+            <a:off x="1762859" y="2081891"/>
+            <a:ext cx="5664000" cy="4248000"/>
+          </a:xfrm>
+          <a:prstGeom prst="rect">
+            <a:avLst/>
+          </a:prstGeom>
+        </p:spPr>
+      </p:pic>
+    </p:spTree>
+    <p:extLst>
+      <p:ext uri="{BB962C8B-B14F-4D97-AF65-F5344CB8AC3E}">
+        <p14:creationId xmlns:p14="http://schemas.microsoft.com/office/powerpoint/2010/main" val="3662819688"/>
+      </p:ext>
+    </p:extLst>
+  </p:cSld>
+  <p:clrMapOvr>
+    <a:masterClrMapping/>
+  </p:clrMapOvr>
+  <p:timing>
+    <p:tnLst>
+      <p:par>
+        <p:cTn id="1" dur="indefinite" restart="never" nodeType="tmRoot"/>
+      </p:par>
+    </p:tnLst>
+  </p:timing>
+</p:sld>
+</file>
+
+<file path=ppt/slides/slide11.xml><?xml version="1.0" encoding="utf-8"?>
+<p:sld xmlns:a="http://schemas.openxmlformats.org/drawingml/2006/main" xmlns:r="http://schemas.openxmlformats.org/officeDocument/2006/relationships" xmlns:p="http://schemas.openxmlformats.org/presentationml/2006/main">
+  <p:cSld>
+    <p:spTree>
+      <p:nvGrpSpPr>
+        <p:cNvPr id="1" name=""/>
+        <p:cNvGrpSpPr/>
+        <p:nvPr/>
+      </p:nvGrpSpPr>
+      <p:grpSpPr>
+        <a:xfrm>
+          <a:off x="0" y="0"/>
+          <a:ext cx="0" cy="0"/>
+          <a:chOff x="0" y="0"/>
+          <a:chExt cx="0" cy="0"/>
+        </a:xfrm>
+      </p:grpSpPr>
+      <p:sp>
+        <p:nvSpPr>
+          <p:cNvPr id="2" name="标题 1"/>
+          <p:cNvSpPr>
+            <a:spLocks noGrp="1"/>
+          </p:cNvSpPr>
+          <p:nvPr>
+            <p:ph type="title"/>
+          </p:nvPr>
+        </p:nvSpPr>
+        <p:spPr/>
+        <p:txBody>
+          <a:bodyPr/>
+          <a:lstStyle/>
+          <a:p>
+            <a:r>
+              <a:rPr lang="zh-CN" altLang="en-US" dirty="0" smtClean="0"/>
+              <a:t>目前遇到的问题</a:t>
+            </a:r>
+            <a:endParaRPr lang="zh-CN" altLang="en-US" dirty="0"/>
+          </a:p>
+        </p:txBody>
+      </p:sp>
+      <p:sp>
+        <p:nvSpPr>
+          <p:cNvPr id="3" name="内容占位符 2"/>
+          <p:cNvSpPr>
+            <a:spLocks noGrp="1"/>
+          </p:cNvSpPr>
+          <p:nvPr>
+            <p:ph idx="1"/>
+          </p:nvPr>
+        </p:nvSpPr>
+        <p:spPr>
+          <a:xfrm>
+            <a:off x="822959" y="1175395"/>
+            <a:ext cx="7543801" cy="5152834"/>
+          </a:xfrm>
+        </p:spPr>
+        <p:txBody>
+          <a:bodyPr/>
+          <a:lstStyle/>
+          <a:p>
+            <a:r>
+              <a:rPr lang="zh-CN" altLang="en-US" dirty="0" smtClean="0"/>
+              <a:t>经过准直之后的</a:t>
+            </a:r>
+            <a:r>
+              <a:rPr lang="en-US" altLang="zh-CN" dirty="0" smtClean="0"/>
+              <a:t>X</a:t>
+            </a:r>
+            <a:r>
+              <a:rPr lang="zh-CN" altLang="en-US" dirty="0" smtClean="0"/>
+              <a:t>光机事例率太低</a:t>
+            </a:r>
+            <a:endParaRPr lang="en-US" altLang="zh-CN" dirty="0" smtClean="0"/>
+          </a:p>
+          <a:p>
+            <a:pPr lvl="1"/>
+            <a:r>
+              <a:rPr lang="zh-CN" altLang="en-US" dirty="0" smtClean="0"/>
+              <a:t>调节</a:t>
+            </a:r>
+            <a:r>
+              <a:rPr lang="zh-CN" altLang="en-US" dirty="0" smtClean="0"/>
+              <a:t>之后约：</a:t>
+            </a:r>
+            <a:r>
+              <a:rPr lang="en-US" altLang="zh-CN" dirty="0" smtClean="0"/>
+              <a:t>30 counts/sec</a:t>
+            </a:r>
+            <a:endParaRPr lang="en-US" altLang="zh-CN" dirty="0" smtClean="0"/>
+          </a:p>
+          <a:p>
+            <a:pPr lvl="1"/>
+            <a:r>
+              <a:rPr lang="en-US" altLang="zh-CN" dirty="0" smtClean="0"/>
+              <a:t> </a:t>
+            </a:r>
+            <a:r>
+              <a:rPr lang="zh-CN" altLang="en-US" dirty="0" smtClean="0"/>
+              <a:t>会记录下宇宙线</a:t>
+            </a:r>
+            <a:r>
+              <a:rPr lang="zh-CN" altLang="en-US" dirty="0" smtClean="0"/>
+              <a:t>事例</a:t>
+            </a:r>
+            <a:endParaRPr lang="en-US" altLang="zh-CN" dirty="0" smtClean="0"/>
+          </a:p>
+          <a:p>
+            <a:pPr lvl="1"/>
+            <a:endParaRPr lang="en-US" altLang="zh-CN" dirty="0" smtClean="0"/>
+          </a:p>
+          <a:p>
+            <a:r>
+              <a:rPr lang="zh-CN" altLang="en-US" dirty="0" smtClean="0"/>
+              <a:t>串扰</a:t>
+            </a:r>
+            <a:r>
+              <a:rPr lang="zh-CN" altLang="en-US" dirty="0" smtClean="0"/>
+              <a:t>数据分析</a:t>
+            </a:r>
+            <a:endParaRPr lang="en-US" altLang="zh-CN" dirty="0" smtClean="0"/>
+          </a:p>
+          <a:p>
+            <a:pPr lvl="1"/>
+            <a:r>
+              <a:rPr lang="zh-CN" altLang="en-US" dirty="0" smtClean="0"/>
+              <a:t>只有</a:t>
+            </a:r>
+            <a:r>
+              <a:rPr lang="en-US" altLang="zh-CN" dirty="0" smtClean="0"/>
+              <a:t>3</a:t>
+            </a:r>
+            <a:r>
+              <a:rPr lang="zh-CN" altLang="en-US" dirty="0" smtClean="0"/>
+              <a:t>个阈，分析串扰不是很</a:t>
+            </a:r>
+            <a:r>
+              <a:rPr lang="zh-CN" altLang="en-US" dirty="0" smtClean="0"/>
+              <a:t>精确</a:t>
+            </a:r>
+            <a:endParaRPr lang="en-US" altLang="zh-CN" dirty="0" smtClean="0"/>
+          </a:p>
+          <a:p>
+            <a:pPr lvl="1"/>
+            <a:r>
+              <a:rPr lang="zh-CN" altLang="en-US" dirty="0" smtClean="0"/>
+              <a:t>解决办法：进行扫域</a:t>
+            </a:r>
+            <a:endParaRPr lang="en-US" altLang="zh-CN" dirty="0" smtClean="0"/>
+          </a:p>
+          <a:p>
+            <a:pPr lvl="1"/>
+            <a:endParaRPr lang="en-US" altLang="zh-CN" dirty="0"/>
+          </a:p>
+        </p:txBody>
+      </p:sp>
+    </p:spTree>
+    <p:extLst>
+      <p:ext uri="{BB962C8B-B14F-4D97-AF65-F5344CB8AC3E}">
+        <p14:creationId xmlns:p14="http://schemas.microsoft.com/office/powerpoint/2010/main" val="1427842503"/>
+      </p:ext>
+    </p:extLst>
+  </p:cSld>
+  <p:clrMapOvr>
+    <a:masterClrMapping/>
+  </p:clrMapOvr>
+  <p:timing>
+    <p:tnLst>
+      <p:par>
+        <p:cTn id="1" dur="indefinite" restart="never" nodeType="tmRoot"/>
+      </p:par>
+    </p:tnLst>
+  </p:timing>
+</p:sld>
+</file>
+
+<file path=ppt/slides/slide12.xml><?xml version="1.0" encoding="utf-8"?>
+<p:sld xmlns:a="http://schemas.openxmlformats.org/drawingml/2006/main" xmlns:r="http://schemas.openxmlformats.org/officeDocument/2006/relationships" xmlns:p="http://schemas.openxmlformats.org/presentationml/2006/main">
+  <p:cSld>
+    <p:spTree>
+      <p:nvGrpSpPr>
+        <p:cNvPr id="1" name=""/>
+        <p:cNvGrpSpPr/>
+        <p:nvPr/>
+      </p:nvGrpSpPr>
+      <p:grpSpPr>
+        <a:xfrm>
+          <a:off x="0" y="0"/>
+          <a:ext cx="0" cy="0"/>
+          <a:chOff x="0" y="0"/>
+          <a:chExt cx="0" cy="0"/>
+        </a:xfrm>
+      </p:grpSpPr>
+      <p:sp>
+        <p:nvSpPr>
+          <p:cNvPr id="2" name="标题 1"/>
+          <p:cNvSpPr>
+            <a:spLocks noGrp="1"/>
+          </p:cNvSpPr>
+          <p:nvPr>
+            <p:ph type="title"/>
+          </p:nvPr>
+        </p:nvSpPr>
+        <p:spPr/>
+        <p:txBody>
+          <a:bodyPr/>
+          <a:lstStyle/>
+          <a:p>
+            <a:r>
+              <a:rPr lang="zh-CN" altLang="en-US" dirty="0" smtClean="0"/>
+              <a:t>目前遇到的问题</a:t>
+            </a:r>
+            <a:endParaRPr lang="zh-CN" altLang="en-US" dirty="0"/>
+          </a:p>
+        </p:txBody>
+      </p:sp>
+      <p:sp>
+        <p:nvSpPr>
+          <p:cNvPr id="3" name="内容占位符 2"/>
+          <p:cNvSpPr>
+            <a:spLocks noGrp="1"/>
+          </p:cNvSpPr>
+          <p:nvPr>
+            <p:ph idx="1"/>
+          </p:nvPr>
+        </p:nvSpPr>
+        <p:spPr/>
+        <p:txBody>
+          <a:bodyPr/>
+          <a:lstStyle/>
+          <a:p>
+            <a:r>
+              <a:rPr lang="zh-CN" altLang="en-US" dirty="0"/>
+              <a:t>“计数率</a:t>
+            </a:r>
+            <a:r>
+              <a:rPr lang="en-US" altLang="zh-CN" dirty="0"/>
+              <a:t>-</a:t>
+            </a:r>
+            <a:r>
+              <a:rPr lang="zh-CN" altLang="en-US" dirty="0"/>
+              <a:t>阈值”不够平滑</a:t>
+            </a:r>
+            <a:endParaRPr lang="en-US" altLang="zh-CN" dirty="0"/>
+          </a:p>
+          <a:p>
+            <a:pPr lvl="1"/>
+            <a:r>
+              <a:rPr lang="zh-CN" altLang="en-US" dirty="0"/>
+              <a:t>相邻两个</a:t>
+            </a:r>
+            <a:r>
+              <a:rPr lang="zh-CN" altLang="en-US" dirty="0" smtClean="0"/>
+              <a:t>计数率做差，再将横坐标转换成能量，可以得到</a:t>
+            </a:r>
+            <a:r>
+              <a:rPr lang="en-US" altLang="zh-CN" dirty="0" smtClean="0"/>
+              <a:t>X</a:t>
+            </a:r>
+            <a:r>
+              <a:rPr lang="zh-CN" altLang="en-US" dirty="0" smtClean="0"/>
+              <a:t>射线能谱</a:t>
+            </a:r>
+            <a:endParaRPr lang="en-US" altLang="zh-CN" dirty="0" smtClean="0"/>
+          </a:p>
+          <a:p>
+            <a:pPr lvl="1"/>
+            <a:r>
+              <a:rPr lang="zh-CN" altLang="en-US" dirty="0" smtClean="0"/>
+              <a:t>曲线不够平滑，做差没有效果</a:t>
+            </a:r>
+            <a:endParaRPr lang="en-US" altLang="zh-CN" dirty="0"/>
+          </a:p>
+          <a:p>
+            <a:endParaRPr lang="zh-CN" altLang="en-US" dirty="0"/>
+          </a:p>
+        </p:txBody>
+      </p:sp>
+      <p:pic>
+        <p:nvPicPr>
+          <p:cNvPr id="4" name="图片 3"/>
+          <p:cNvPicPr>
+            <a:picLocks noChangeAspect="1"/>
+          </p:cNvPicPr>
+          <p:nvPr/>
+        </p:nvPicPr>
+        <p:blipFill>
+          <a:blip r:embed="rId2">
+            <a:extLst>
+              <a:ext uri="{28A0092B-C50C-407E-A947-70E740481C1C}">
+                <a14:useLocalDpi xmlns:a14="http://schemas.microsoft.com/office/drawing/2010/main" val="0"/>
+              </a:ext>
+            </a:extLst>
+          </a:blip>
+          <a:stretch>
+            <a:fillRect/>
+          </a:stretch>
+        </p:blipFill>
+        <p:spPr>
+          <a:xfrm>
+            <a:off x="4824000" y="3025319"/>
+            <a:ext cx="4320000" cy="3240000"/>
+          </a:xfrm>
+          <a:prstGeom prst="rect">
+            <a:avLst/>
+          </a:prstGeom>
+        </p:spPr>
+      </p:pic>
+    </p:spTree>
+    <p:extLst>
+      <p:ext uri="{BB962C8B-B14F-4D97-AF65-F5344CB8AC3E}">
+        <p14:creationId xmlns:p14="http://schemas.microsoft.com/office/powerpoint/2010/main" val="727313210"/>
+      </p:ext>
+    </p:extLst>
+  </p:cSld>
+  <p:clrMapOvr>
+    <a:masterClrMapping/>
+  </p:clrMapOvr>
+  <p:timing>
+    <p:tnLst>
+      <p:par>
+        <p:cTn id="1" dur="indefinite" restart="never" nodeType="tmRoot"/>
+      </p:par>
+    </p:tnLst>
+  </p:timing>
+</p:sld>
+</file>
+
+<file path=ppt/slides/slide13.xml><?xml version="1.0" encoding="utf-8"?>
+<p:sld xmlns:a="http://schemas.openxmlformats.org/drawingml/2006/main" xmlns:r="http://schemas.openxmlformats.org/officeDocument/2006/relationships" xmlns:p="http://schemas.openxmlformats.org/presentationml/2006/main">
+  <p:cSld>
+    <p:spTree>
+      <p:nvGrpSpPr>
+        <p:cNvPr id="1" name=""/>
+        <p:cNvGrpSpPr/>
+        <p:nvPr/>
+      </p:nvGrpSpPr>
+      <p:grpSpPr>
+        <a:xfrm>
+          <a:off x="0" y="0"/>
+          <a:ext cx="0" cy="0"/>
+          <a:chOff x="0" y="0"/>
+          <a:chExt cx="0" cy="0"/>
+        </a:xfrm>
+      </p:grpSpPr>
+      <p:sp>
+        <p:nvSpPr>
+          <p:cNvPr id="2" name="标题 1"/>
+          <p:cNvSpPr>
+            <a:spLocks noGrp="1"/>
+          </p:cNvSpPr>
+          <p:nvPr>
+            <p:ph type="title"/>
+          </p:nvPr>
+        </p:nvSpPr>
+        <p:spPr/>
+        <p:txBody>
+          <a:bodyPr/>
+          <a:lstStyle/>
+          <a:p>
+            <a:r>
+              <a:rPr lang="zh-CN" altLang="en-US" dirty="0" smtClean="0"/>
+              <a:t>下一步</a:t>
+            </a:r>
+            <a:endParaRPr lang="zh-CN" altLang="en-US" dirty="0"/>
+          </a:p>
+        </p:txBody>
+      </p:sp>
+      <p:sp>
+        <p:nvSpPr>
+          <p:cNvPr id="3" name="内容占位符 2"/>
+          <p:cNvSpPr>
+            <a:spLocks noGrp="1"/>
+          </p:cNvSpPr>
+          <p:nvPr>
+            <p:ph idx="1"/>
+          </p:nvPr>
+        </p:nvSpPr>
+        <p:spPr>
+          <a:xfrm>
+            <a:off x="822959" y="1175395"/>
+            <a:ext cx="7543801" cy="5152834"/>
+          </a:xfrm>
+        </p:spPr>
+        <p:txBody>
+          <a:bodyPr>
+            <a:normAutofit/>
+          </a:bodyPr>
+          <a:lstStyle/>
+          <a:p>
+            <a:r>
+              <a:rPr lang="zh-CN" altLang="en-US" dirty="0" smtClean="0"/>
+              <a:t>用扫阈的办法测量串扰</a:t>
+            </a:r>
+            <a:endParaRPr lang="en-US" altLang="zh-CN" dirty="0" smtClean="0"/>
+          </a:p>
+          <a:p>
+            <a:pPr lvl="1"/>
+            <a:r>
+              <a:rPr lang="zh-CN" altLang="en-US" dirty="0" smtClean="0"/>
+              <a:t>经过准直孔后</a:t>
+            </a:r>
+            <a:r>
+              <a:rPr lang="en-US" altLang="zh-CN" dirty="0" smtClean="0"/>
+              <a:t>X</a:t>
+            </a:r>
+            <a:r>
+              <a:rPr lang="zh-CN" altLang="en-US" dirty="0" smtClean="0"/>
+              <a:t>光机的事例率能否再提高？</a:t>
+            </a:r>
+            <a:endParaRPr lang="en-US" altLang="zh-CN" dirty="0" smtClean="0"/>
+          </a:p>
+          <a:p>
+            <a:pPr lvl="1"/>
+            <a:endParaRPr lang="en-US" altLang="zh-CN" dirty="0"/>
+          </a:p>
+          <a:p>
+            <a:r>
+              <a:rPr lang="zh-CN" altLang="en-US" dirty="0" smtClean="0"/>
+              <a:t>测量</a:t>
+            </a:r>
+            <a:r>
+              <a:rPr lang="en-US" altLang="zh-CN" dirty="0" smtClean="0"/>
+              <a:t>Pad</a:t>
+            </a:r>
+            <a:r>
+              <a:rPr lang="zh-CN" altLang="en-US" dirty="0" smtClean="0"/>
+              <a:t>的均匀性</a:t>
+            </a:r>
+            <a:endParaRPr lang="en-US" altLang="zh-CN" dirty="0" smtClean="0"/>
+          </a:p>
+          <a:p>
+            <a:pPr lvl="1"/>
+            <a:r>
+              <a:rPr lang="zh-CN" altLang="en-US" dirty="0" smtClean="0"/>
+              <a:t>使用扫阈的办法测量</a:t>
+            </a:r>
+            <a:endParaRPr lang="en-US" altLang="zh-CN" dirty="0" smtClean="0"/>
+          </a:p>
+          <a:p>
+            <a:pPr lvl="1"/>
+            <a:r>
+              <a:rPr lang="zh-CN" altLang="en-US" dirty="0" smtClean="0"/>
+              <a:t>分析每个</a:t>
+            </a:r>
+            <a:r>
+              <a:rPr lang="en-US" altLang="zh-CN" dirty="0" smtClean="0"/>
+              <a:t>Pad</a:t>
+            </a:r>
+            <a:r>
+              <a:rPr lang="zh-CN" altLang="en-US" dirty="0" smtClean="0"/>
+              <a:t>扫阈得到的计数率曲线是否一致</a:t>
+            </a:r>
+            <a:endParaRPr lang="en-US" altLang="zh-CN" dirty="0" smtClean="0"/>
+          </a:p>
+          <a:p>
+            <a:pPr lvl="1"/>
+            <a:r>
+              <a:rPr lang="zh-CN" altLang="en-US" dirty="0" smtClean="0"/>
+              <a:t>选择</a:t>
+            </a:r>
+            <a:r>
+              <a:rPr lang="en-US" altLang="zh-CN" dirty="0" smtClean="0"/>
+              <a:t>Pad</a:t>
+            </a:r>
+            <a:r>
+              <a:rPr lang="zh-CN" altLang="en-US" dirty="0" smtClean="0"/>
+              <a:t>进行测测量，没有必要将</a:t>
+            </a:r>
+            <a:r>
+              <a:rPr lang="en-US" altLang="zh-CN" dirty="0" smtClean="0"/>
+              <a:t>900</a:t>
+            </a:r>
+            <a:r>
+              <a:rPr lang="zh-CN" altLang="en-US" dirty="0" smtClean="0"/>
+              <a:t>个</a:t>
+            </a:r>
+            <a:r>
+              <a:rPr lang="en-US" altLang="zh-CN" dirty="0" smtClean="0"/>
+              <a:t>Pad</a:t>
+            </a:r>
+            <a:r>
+              <a:rPr lang="zh-CN" altLang="en-US" dirty="0" smtClean="0"/>
+              <a:t>一一测完</a:t>
+            </a:r>
+            <a:endParaRPr lang="en-US" altLang="zh-CN" dirty="0" smtClean="0"/>
+          </a:p>
+          <a:p>
+            <a:pPr lvl="1"/>
+            <a:endParaRPr lang="en-US" altLang="zh-CN" dirty="0"/>
+          </a:p>
+          <a:p>
+            <a:r>
+              <a:rPr lang="zh-CN" altLang="en-US" dirty="0" smtClean="0"/>
+              <a:t>探测效率测量</a:t>
+            </a:r>
+            <a:endParaRPr lang="en-US" altLang="zh-CN" dirty="0" smtClean="0"/>
+          </a:p>
+          <a:p>
+            <a:pPr lvl="1"/>
+            <a:r>
+              <a:rPr lang="zh-CN" altLang="en-US" dirty="0" smtClean="0"/>
+              <a:t>完成前面两项再作计划</a:t>
+            </a:r>
+            <a:endParaRPr lang="zh-CN" altLang="en-US" dirty="0"/>
+          </a:p>
+        </p:txBody>
+      </p:sp>
+    </p:spTree>
+    <p:extLst>
+      <p:ext uri="{BB962C8B-B14F-4D97-AF65-F5344CB8AC3E}">
+        <p14:creationId xmlns:p14="http://schemas.microsoft.com/office/powerpoint/2010/main" val="1944327735"/>
+      </p:ext>
+    </p:extLst>
+  </p:cSld>
+  <p:clrMapOvr>
+    <a:masterClrMapping/>
+  </p:clrMapOvr>
+  <p:timing>
+    <p:tnLst>
+      <p:par>
+        <p:cTn id="1" dur="indefinite" restart="never" nodeType="tmRoot"/>
+      </p:par>
+    </p:tnLst>
+  </p:timing>
 </p:sld>
 </file>
 
@@ -4014,19 +4686,27 @@
           <a:p>
             <a:pPr lvl="1"/>
             <a:r>
+              <a:rPr lang="zh-CN" altLang="en-US" dirty="0" smtClean="0"/>
+              <a:t>触发率</a:t>
+            </a:r>
+            <a:r>
               <a:rPr lang="en-US" altLang="zh-CN" dirty="0" smtClean="0"/>
-              <a:t>S</a:t>
-            </a:r>
-            <a:r>
-              <a:rPr lang="zh-CN" altLang="en-US" dirty="0" smtClean="0"/>
-              <a:t>曲线测试</a:t>
+              <a:t>-</a:t>
+            </a:r>
+            <a:r>
+              <a:rPr lang="zh-CN" altLang="en-US" dirty="0" smtClean="0"/>
+              <a:t>阈值测试</a:t>
             </a:r>
             <a:endParaRPr lang="en-US" altLang="zh-CN" dirty="0" smtClean="0"/>
           </a:p>
           <a:p>
             <a:r>
               <a:rPr lang="zh-CN" altLang="en-US" dirty="0" smtClean="0"/>
-              <a:t>探测器联调测试</a:t>
+              <a:t>探测器</a:t>
+            </a:r>
+            <a:r>
+              <a:rPr lang="zh-CN" altLang="en-US" dirty="0" smtClean="0"/>
+              <a:t>联调测试</a:t>
             </a:r>
             <a:endParaRPr lang="en-US" altLang="zh-CN" dirty="0" smtClean="0"/>
           </a:p>
@@ -4042,7 +4722,27 @@
             <a:pPr lvl="1"/>
             <a:r>
               <a:rPr lang="zh-CN" altLang="en-US" dirty="0" smtClean="0"/>
-              <a:t>串扰测试</a:t>
+              <a:t>串扰</a:t>
+            </a:r>
+            <a:r>
+              <a:rPr lang="zh-CN" altLang="en-US" dirty="0" smtClean="0"/>
+              <a:t>测试</a:t>
+            </a:r>
+            <a:endParaRPr lang="en-US" altLang="zh-CN" dirty="0" smtClean="0"/>
+          </a:p>
+          <a:p>
+            <a:pPr lvl="1"/>
+            <a:r>
+              <a:rPr lang="zh-CN" altLang="en-US" dirty="0" smtClean="0"/>
+              <a:t>计数率</a:t>
+            </a:r>
+            <a:r>
+              <a:rPr lang="en-US" altLang="zh-CN" dirty="0" smtClean="0"/>
+              <a:t>-</a:t>
+            </a:r>
+            <a:r>
+              <a:rPr lang="zh-CN" altLang="en-US" dirty="0" smtClean="0"/>
+              <a:t>阈值测试</a:t>
             </a:r>
             <a:endParaRPr lang="zh-CN" altLang="en-US" dirty="0"/>
           </a:p>
@@ -4058,109 +4758,17 @@
   <p:clrMapOvr>
     <a:masterClrMapping/>
   </p:clrMapOvr>
+  <p:timing>
+    <p:tnLst>
+      <p:par>
+        <p:cTn id="1" dur="indefinite" restart="never" nodeType="tmRoot"/>
+      </p:par>
+    </p:tnLst>
+  </p:timing>
 </p:sld>
 </file>
 
 <file path=ppt/slides/slide3.xml><?xml version="1.0" encoding="utf-8"?>
-<p:sld xmlns:a="http://schemas.openxmlformats.org/drawingml/2006/main" xmlns:r="http://schemas.openxmlformats.org/officeDocument/2006/relationships" xmlns:p="http://schemas.openxmlformats.org/presentationml/2006/main">
-  <p:cSld>
-    <p:spTree>
-      <p:nvGrpSpPr>
-        <p:cNvPr id="1" name=""/>
-        <p:cNvGrpSpPr/>
-        <p:nvPr/>
-      </p:nvGrpSpPr>
-      <p:grpSpPr>
-        <a:xfrm>
-          <a:off x="0" y="0"/>
-          <a:ext cx="0" cy="0"/>
-          <a:chOff x="0" y="0"/>
-          <a:chExt cx="0" cy="0"/>
-        </a:xfrm>
-      </p:grpSpPr>
-      <p:sp>
-        <p:nvSpPr>
-          <p:cNvPr id="2" name="标题 1"/>
-          <p:cNvSpPr>
-            <a:spLocks noGrp="1"/>
-          </p:cNvSpPr>
-          <p:nvPr>
-            <p:ph type="title"/>
-          </p:nvPr>
-        </p:nvSpPr>
-        <p:spPr/>
-        <p:txBody>
-          <a:bodyPr/>
-          <a:lstStyle/>
-          <a:p>
-            <a:r>
-              <a:rPr lang="zh-CN" altLang="en-US" dirty="0"/>
-              <a:t>探测器和电子学结构</a:t>
-            </a:r>
-          </a:p>
-        </p:txBody>
-      </p:sp>
-      <p:sp>
-        <p:nvSpPr>
-          <p:cNvPr id="3" name="内容占位符 2"/>
-          <p:cNvSpPr>
-            <a:spLocks noGrp="1"/>
-          </p:cNvSpPr>
-          <p:nvPr>
-            <p:ph idx="1"/>
-          </p:nvPr>
-        </p:nvSpPr>
-        <p:spPr/>
-        <p:txBody>
-          <a:bodyPr/>
-          <a:lstStyle/>
-          <a:p>
-            <a:r>
-              <a:rPr lang="en-US" altLang="zh-CN" dirty="0" err="1" smtClean="0"/>
-              <a:t>Microroc</a:t>
-            </a:r>
-            <a:r>
-              <a:rPr lang="zh-CN" altLang="en-US" dirty="0" smtClean="0"/>
-              <a:t>芯片介绍</a:t>
-            </a:r>
-            <a:endParaRPr lang="en-US" altLang="zh-CN" dirty="0" smtClean="0"/>
-          </a:p>
-          <a:p>
-            <a:endParaRPr lang="en-US" altLang="zh-CN" dirty="0"/>
-          </a:p>
-          <a:p>
-            <a:endParaRPr lang="en-US" altLang="zh-CN" dirty="0" smtClean="0"/>
-          </a:p>
-          <a:p>
-            <a:endParaRPr lang="en-US" altLang="zh-CN" dirty="0"/>
-          </a:p>
-          <a:p>
-            <a:r>
-              <a:rPr lang="en-US" altLang="zh-CN" dirty="0" smtClean="0"/>
-              <a:t>GEM</a:t>
-            </a:r>
-            <a:r>
-              <a:rPr lang="zh-CN" altLang="en-US" dirty="0" smtClean="0"/>
-              <a:t>结构</a:t>
-            </a:r>
-            <a:endParaRPr lang="zh-CN" altLang="en-US" dirty="0"/>
-          </a:p>
-        </p:txBody>
-      </p:sp>
-    </p:spTree>
-    <p:extLst>
-      <p:ext uri="{BB962C8B-B14F-4D97-AF65-F5344CB8AC3E}">
-        <p14:creationId xmlns:p14="http://schemas.microsoft.com/office/powerpoint/2010/main" val="2178051706"/>
-      </p:ext>
-    </p:extLst>
-  </p:cSld>
-  <p:clrMapOvr>
-    <a:masterClrMapping/>
-  </p:clrMapOvr>
-</p:sld>
-</file>
-
-<file path=ppt/slides/slide4.xml><?xml version="1.0" encoding="utf-8"?>
 <p:sld xmlns:a="http://schemas.openxmlformats.org/drawingml/2006/main" xmlns:r="http://schemas.openxmlformats.org/officeDocument/2006/relationships" xmlns:p="http://schemas.openxmlformats.org/presentationml/2006/main">
   <p:cSld>
     <p:spTree>
@@ -4274,6 +4882,394 @@
   <p:clrMapOvr>
     <a:masterClrMapping/>
   </p:clrMapOvr>
+  <p:timing>
+    <p:tnLst>
+      <p:par>
+        <p:cTn id="1" dur="indefinite" restart="never" nodeType="tmRoot"/>
+      </p:par>
+    </p:tnLst>
+  </p:timing>
+</p:sld>
+</file>
+
+<file path=ppt/slides/slide4.xml><?xml version="1.0" encoding="utf-8"?>
+<p:sld xmlns:a="http://schemas.openxmlformats.org/drawingml/2006/main" xmlns:r="http://schemas.openxmlformats.org/officeDocument/2006/relationships" xmlns:p="http://schemas.openxmlformats.org/presentationml/2006/main">
+  <p:cSld>
+    <p:spTree>
+      <p:nvGrpSpPr>
+        <p:cNvPr id="1" name=""/>
+        <p:cNvGrpSpPr/>
+        <p:nvPr/>
+      </p:nvGrpSpPr>
+      <p:grpSpPr>
+        <a:xfrm>
+          <a:off x="0" y="0"/>
+          <a:ext cx="0" cy="0"/>
+          <a:chOff x="0" y="0"/>
+          <a:chExt cx="0" cy="0"/>
+        </a:xfrm>
+      </p:grpSpPr>
+      <p:sp>
+        <p:nvSpPr>
+          <p:cNvPr id="2" name="标题 1"/>
+          <p:cNvSpPr>
+            <a:spLocks noGrp="1"/>
+          </p:cNvSpPr>
+          <p:nvPr>
+            <p:ph type="title"/>
+          </p:nvPr>
+        </p:nvSpPr>
+        <p:spPr/>
+        <p:txBody>
+          <a:bodyPr/>
+          <a:lstStyle/>
+          <a:p>
+            <a:r>
+              <a:rPr lang="zh-CN" altLang="en-US" dirty="0" smtClean="0"/>
+              <a:t>电子学测试</a:t>
+            </a:r>
+            <a:endParaRPr lang="zh-CN" altLang="en-US" dirty="0"/>
+          </a:p>
+        </p:txBody>
+      </p:sp>
+      <p:sp>
+        <p:nvSpPr>
+          <p:cNvPr id="3" name="内容占位符 2"/>
+          <p:cNvSpPr>
+            <a:spLocks noGrp="1"/>
+          </p:cNvSpPr>
+          <p:nvPr>
+            <p:ph idx="1"/>
+          </p:nvPr>
+        </p:nvSpPr>
+        <p:spPr/>
+        <p:txBody>
+          <a:bodyPr/>
+          <a:lstStyle/>
+          <a:p>
+            <a:r>
+              <a:rPr lang="en-US" altLang="zh-CN" dirty="0" smtClean="0"/>
+              <a:t>S </a:t>
+            </a:r>
+            <a:r>
+              <a:rPr lang="zh-CN" altLang="en-US" dirty="0" smtClean="0"/>
+              <a:t>曲线测试</a:t>
+            </a:r>
+            <a:endParaRPr lang="en-US" altLang="zh-CN" dirty="0" smtClean="0"/>
+          </a:p>
+          <a:p>
+            <a:pPr lvl="1"/>
+            <a:r>
+              <a:rPr lang="zh-CN" altLang="en-US" dirty="0" smtClean="0"/>
+              <a:t>“触发率”和“阈值”的关系</a:t>
+            </a:r>
+            <a:endParaRPr lang="en-US" altLang="zh-CN" dirty="0" smtClean="0"/>
+          </a:p>
+          <a:p>
+            <a:pPr lvl="1"/>
+            <a:r>
+              <a:rPr lang="en-US" altLang="zh-CN" dirty="0" smtClean="0"/>
+              <a:t>0</a:t>
+            </a:r>
+            <a:r>
+              <a:rPr lang="zh-CN" altLang="en-US" dirty="0" smtClean="0"/>
+              <a:t>输入下的</a:t>
+            </a:r>
+            <a:r>
+              <a:rPr lang="en-US" altLang="zh-CN" dirty="0" smtClean="0"/>
+              <a:t>S</a:t>
+            </a:r>
+            <a:r>
+              <a:rPr lang="zh-CN" altLang="en-US" dirty="0" smtClean="0"/>
+              <a:t>曲线</a:t>
+            </a:r>
+            <a:endParaRPr lang="zh-CN" altLang="en-US" dirty="0"/>
+          </a:p>
+        </p:txBody>
+      </p:sp>
+      <p:grpSp>
+        <p:nvGrpSpPr>
+          <p:cNvPr id="7" name="组合 6"/>
+          <p:cNvGrpSpPr/>
+          <p:nvPr/>
+        </p:nvGrpSpPr>
+        <p:grpSpPr>
+          <a:xfrm>
+            <a:off x="827814" y="2562597"/>
+            <a:ext cx="7538946" cy="3780000"/>
+            <a:chOff x="273087" y="2408051"/>
+            <a:chExt cx="7538946" cy="3780000"/>
+          </a:xfrm>
+        </p:grpSpPr>
+        <p:pic>
+          <p:nvPicPr>
+            <p:cNvPr id="4" name="图片 3"/>
+            <p:cNvPicPr>
+              <a:picLocks noChangeAspect="1"/>
+            </p:cNvPicPr>
+            <p:nvPr/>
+          </p:nvPicPr>
+          <p:blipFill rotWithShape="1">
+            <a:blip r:embed="rId2">
+              <a:extLst>
+                <a:ext uri="{28A0092B-C50C-407E-A947-70E740481C1C}">
+                  <a14:useLocalDpi xmlns:a14="http://schemas.microsoft.com/office/drawing/2010/main" val="0"/>
+                </a:ext>
+              </a:extLst>
+            </a:blip>
+            <a:srcRect l="3400" t="1952" r="8230"/>
+            <a:stretch/>
+          </p:blipFill>
+          <p:spPr>
+            <a:xfrm>
+              <a:off x="273087" y="2408051"/>
+              <a:ext cx="4542516" cy="3780000"/>
+            </a:xfrm>
+            <a:prstGeom prst="rect">
+              <a:avLst/>
+            </a:prstGeom>
+            <a:ln>
+              <a:noFill/>
+            </a:ln>
+          </p:spPr>
+        </p:pic>
+        <p:pic>
+          <p:nvPicPr>
+            <p:cNvPr id="6" name="图片 5"/>
+            <p:cNvPicPr>
+              <a:picLocks noChangeAspect="1"/>
+            </p:cNvPicPr>
+            <p:nvPr/>
+          </p:nvPicPr>
+          <p:blipFill rotWithShape="1">
+            <a:blip r:embed="rId3">
+              <a:extLst>
+                <a:ext uri="{28A0092B-C50C-407E-A947-70E740481C1C}">
+                  <a14:useLocalDpi xmlns:a14="http://schemas.microsoft.com/office/drawing/2010/main" val="0"/>
+                </a:ext>
+              </a:extLst>
+            </a:blip>
+            <a:srcRect r="8282"/>
+            <a:stretch/>
+          </p:blipFill>
+          <p:spPr>
+            <a:xfrm>
+              <a:off x="4815603" y="2408051"/>
+              <a:ext cx="2996430" cy="3780000"/>
+            </a:xfrm>
+            <a:prstGeom prst="rect">
+              <a:avLst/>
+            </a:prstGeom>
+            <a:ln>
+              <a:noFill/>
+            </a:ln>
+          </p:spPr>
+        </p:pic>
+      </p:grpSp>
+      <p:sp>
+        <p:nvSpPr>
+          <p:cNvPr id="8" name="右箭头 7"/>
+          <p:cNvSpPr/>
+          <p:nvPr/>
+        </p:nvSpPr>
+        <p:spPr>
+          <a:xfrm>
+            <a:off x="4898077" y="2968453"/>
+            <a:ext cx="1313645" cy="772732"/>
+          </a:xfrm>
+          <a:prstGeom prst="rightArrow">
+            <a:avLst/>
+          </a:prstGeom>
+        </p:spPr>
+        <p:style>
+          <a:lnRef idx="3">
+            <a:schemeClr val="lt1"/>
+          </a:lnRef>
+          <a:fillRef idx="1">
+            <a:schemeClr val="accent1"/>
+          </a:fillRef>
+          <a:effectRef idx="1">
+            <a:schemeClr val="accent1"/>
+          </a:effectRef>
+          <a:fontRef idx="minor">
+            <a:schemeClr val="lt1"/>
+          </a:fontRef>
+        </p:style>
+        <p:txBody>
+          <a:bodyPr rtlCol="0" anchor="ctr"/>
+          <a:lstStyle/>
+          <a:p>
+            <a:pPr algn="ctr"/>
+            <a:endParaRPr lang="zh-CN" altLang="en-US"/>
+          </a:p>
+        </p:txBody>
+      </p:sp>
+      <p:cxnSp>
+        <p:nvCxnSpPr>
+          <p:cNvPr id="10" name="直接箭头连接符 9"/>
+          <p:cNvCxnSpPr/>
+          <p:nvPr/>
+        </p:nvCxnSpPr>
+        <p:spPr>
+          <a:xfrm>
+            <a:off x="6665622" y="5253954"/>
+            <a:ext cx="833728" cy="0"/>
+          </a:xfrm>
+          <a:prstGeom prst="straightConnector1">
+            <a:avLst/>
+          </a:prstGeom>
+          <a:ln>
+            <a:solidFill>
+              <a:schemeClr val="tx1"/>
+            </a:solidFill>
+            <a:headEnd type="triangle"/>
+            <a:tailEnd type="triangle"/>
+          </a:ln>
+        </p:spPr>
+        <p:style>
+          <a:lnRef idx="1">
+            <a:schemeClr val="accent1"/>
+          </a:lnRef>
+          <a:fillRef idx="0">
+            <a:schemeClr val="accent1"/>
+          </a:fillRef>
+          <a:effectRef idx="0">
+            <a:schemeClr val="accent1"/>
+          </a:effectRef>
+          <a:fontRef idx="minor">
+            <a:schemeClr val="tx1"/>
+          </a:fontRef>
+        </p:style>
+      </p:cxnSp>
+      <p:sp>
+        <p:nvSpPr>
+          <p:cNvPr id="14" name="文本框 13"/>
+          <p:cNvSpPr txBox="1"/>
+          <p:nvPr/>
+        </p:nvSpPr>
+        <p:spPr>
+          <a:xfrm>
+            <a:off x="7697346" y="4337886"/>
+            <a:ext cx="1338828" cy="369332"/>
+          </a:xfrm>
+          <a:prstGeom prst="rect">
+            <a:avLst/>
+          </a:prstGeom>
+          <a:noFill/>
+        </p:spPr>
+        <p:txBody>
+          <a:bodyPr wrap="none" rtlCol="0">
+            <a:spAutoFit/>
+          </a:bodyPr>
+          <a:lstStyle/>
+          <a:p>
+            <a:r>
+              <a:rPr lang="zh-CN" altLang="en-US" dirty="0" smtClean="0"/>
+              <a:t>电子学噪声</a:t>
+            </a:r>
+            <a:endParaRPr lang="zh-CN" altLang="en-US" dirty="0"/>
+          </a:p>
+        </p:txBody>
+      </p:sp>
+      <p:sp>
+        <p:nvSpPr>
+          <p:cNvPr id="15" name="文本框 14"/>
+          <p:cNvSpPr txBox="1"/>
+          <p:nvPr/>
+        </p:nvSpPr>
+        <p:spPr>
+          <a:xfrm>
+            <a:off x="7697346" y="4707218"/>
+            <a:ext cx="1388265" cy="646331"/>
+          </a:xfrm>
+          <a:prstGeom prst="rect">
+            <a:avLst/>
+          </a:prstGeom>
+          <a:noFill/>
+        </p:spPr>
+        <p:txBody>
+          <a:bodyPr wrap="none" rtlCol="0">
+            <a:spAutoFit/>
+          </a:bodyPr>
+          <a:lstStyle/>
+          <a:p>
+            <a:r>
+              <a:rPr lang="en-US" altLang="zh-CN" dirty="0" smtClean="0"/>
+              <a:t>3</a:t>
+            </a:r>
+            <a:r>
+              <a:rPr lang="zh-CN" altLang="en-US" dirty="0" smtClean="0"/>
+              <a:t>个</a:t>
+            </a:r>
+            <a:r>
+              <a:rPr lang="en-US" altLang="zh-CN" dirty="0" smtClean="0"/>
+              <a:t>DAC</a:t>
+            </a:r>
+            <a:r>
+              <a:rPr lang="zh-CN" altLang="en-US" dirty="0" smtClean="0"/>
+              <a:t>码值</a:t>
+            </a:r>
+            <a:endParaRPr lang="en-US" altLang="zh-CN" dirty="0" smtClean="0"/>
+          </a:p>
+          <a:p>
+            <a:r>
+              <a:rPr lang="en-US" altLang="zh-CN" dirty="0" smtClean="0"/>
+              <a:t>0.7fC</a:t>
+            </a:r>
+            <a:endParaRPr lang="zh-CN" altLang="en-US" dirty="0"/>
+          </a:p>
+        </p:txBody>
+      </p:sp>
+      <p:cxnSp>
+        <p:nvCxnSpPr>
+          <p:cNvPr id="17" name="直接箭头连接符 16"/>
+          <p:cNvCxnSpPr/>
+          <p:nvPr/>
+        </p:nvCxnSpPr>
+        <p:spPr>
+          <a:xfrm flipH="1">
+            <a:off x="7082486" y="5030383"/>
+            <a:ext cx="614860" cy="223571"/>
+          </a:xfrm>
+          <a:prstGeom prst="straightConnector1">
+            <a:avLst/>
+          </a:prstGeom>
+          <a:ln>
+            <a:tailEnd type="triangle"/>
+          </a:ln>
+        </p:spPr>
+        <p:style>
+          <a:lnRef idx="1">
+            <a:schemeClr val="accent1"/>
+          </a:lnRef>
+          <a:fillRef idx="0">
+            <a:schemeClr val="accent1"/>
+          </a:fillRef>
+          <a:effectRef idx="0">
+            <a:schemeClr val="accent1"/>
+          </a:effectRef>
+          <a:fontRef idx="minor">
+            <a:schemeClr val="tx1"/>
+          </a:fontRef>
+        </p:style>
+      </p:cxnSp>
+    </p:spTree>
+    <p:extLst>
+      <p:ext uri="{BB962C8B-B14F-4D97-AF65-F5344CB8AC3E}">
+        <p14:creationId xmlns:p14="http://schemas.microsoft.com/office/powerpoint/2010/main" val="2823960851"/>
+      </p:ext>
+    </p:extLst>
+  </p:cSld>
+  <p:clrMapOvr>
+    <a:masterClrMapping/>
+  </p:clrMapOvr>
+  <p:timing>
+    <p:tnLst>
+      <p:par>
+        <p:cTn id="1" dur="indefinite" restart="never" nodeType="tmRoot"/>
+      </p:par>
+    </p:tnLst>
+  </p:timing>
 </p:sld>
 </file>
 
@@ -4306,114 +5302,6 @@
         </p:nvSpPr>
         <p:spPr/>
         <p:txBody>
-          <a:bodyPr/>
-          <a:lstStyle/>
-          <a:p>
-            <a:r>
-              <a:rPr lang="zh-CN" altLang="en-US" dirty="0" smtClean="0"/>
-              <a:t>电子学测试</a:t>
-            </a:r>
-            <a:endParaRPr lang="zh-CN" altLang="en-US" dirty="0"/>
-          </a:p>
-        </p:txBody>
-      </p:sp>
-      <p:sp>
-        <p:nvSpPr>
-          <p:cNvPr id="3" name="内容占位符 2"/>
-          <p:cNvSpPr>
-            <a:spLocks noGrp="1"/>
-          </p:cNvSpPr>
-          <p:nvPr>
-            <p:ph idx="1"/>
-          </p:nvPr>
-        </p:nvSpPr>
-        <p:spPr/>
-        <p:txBody>
-          <a:bodyPr/>
-          <a:lstStyle/>
-          <a:p>
-            <a:r>
-              <a:rPr lang="en-US" altLang="zh-CN" dirty="0" smtClean="0"/>
-              <a:t>S </a:t>
-            </a:r>
-            <a:r>
-              <a:rPr lang="zh-CN" altLang="en-US" dirty="0" smtClean="0"/>
-              <a:t>曲线测试</a:t>
-            </a:r>
-            <a:endParaRPr lang="en-US" altLang="zh-CN" dirty="0" smtClean="0"/>
-          </a:p>
-          <a:p>
-            <a:pPr lvl="1"/>
-            <a:r>
-              <a:rPr lang="zh-CN" altLang="en-US" dirty="0" smtClean="0"/>
-              <a:t>“触发率”和“阈值”的关系</a:t>
-            </a:r>
-            <a:endParaRPr lang="en-US" altLang="zh-CN" dirty="0" smtClean="0"/>
-          </a:p>
-          <a:p>
-            <a:pPr lvl="1"/>
-            <a:r>
-              <a:rPr lang="en-US" altLang="zh-CN" dirty="0" smtClean="0"/>
-              <a:t>0</a:t>
-            </a:r>
-            <a:r>
-              <a:rPr lang="zh-CN" altLang="en-US" dirty="0" smtClean="0"/>
-              <a:t>输入下的</a:t>
-            </a:r>
-            <a:r>
-              <a:rPr lang="en-US" altLang="zh-CN" dirty="0" smtClean="0"/>
-              <a:t>S</a:t>
-            </a:r>
-            <a:r>
-              <a:rPr lang="zh-CN" altLang="en-US" dirty="0" smtClean="0"/>
-              <a:t>曲线</a:t>
-            </a:r>
-            <a:endParaRPr lang="zh-CN" altLang="en-US" dirty="0"/>
-          </a:p>
-        </p:txBody>
-      </p:sp>
-    </p:spTree>
-    <p:extLst>
-      <p:ext uri="{BB962C8B-B14F-4D97-AF65-F5344CB8AC3E}">
-        <p14:creationId xmlns:p14="http://schemas.microsoft.com/office/powerpoint/2010/main" val="2823960851"/>
-      </p:ext>
-    </p:extLst>
-  </p:cSld>
-  <p:clrMapOvr>
-    <a:masterClrMapping/>
-  </p:clrMapOvr>
-</p:sld>
-</file>
-
-<file path=ppt/slides/slide6.xml><?xml version="1.0" encoding="utf-8"?>
-<p:sld xmlns:a="http://schemas.openxmlformats.org/drawingml/2006/main" xmlns:r="http://schemas.openxmlformats.org/officeDocument/2006/relationships" xmlns:p="http://schemas.openxmlformats.org/presentationml/2006/main">
-  <p:cSld>
-    <p:spTree>
-      <p:nvGrpSpPr>
-        <p:cNvPr id="1" name=""/>
-        <p:cNvGrpSpPr/>
-        <p:nvPr/>
-      </p:nvGrpSpPr>
-      <p:grpSpPr>
-        <a:xfrm>
-          <a:off x="0" y="0"/>
-          <a:ext cx="0" cy="0"/>
-          <a:chOff x="0" y="0"/>
-          <a:chExt cx="0" cy="0"/>
-        </a:xfrm>
-      </p:grpSpPr>
-      <p:sp>
-        <p:nvSpPr>
-          <p:cNvPr id="2" name="标题 1"/>
-          <p:cNvSpPr>
-            <a:spLocks noGrp="1"/>
-          </p:cNvSpPr>
-          <p:nvPr>
-            <p:ph type="title"/>
-          </p:nvPr>
-        </p:nvSpPr>
-        <p:spPr/>
-        <p:txBody>
           <a:bodyPr>
             <a:normAutofit fontScale="90000"/>
           </a:bodyPr>
@@ -4508,7 +5396,11 @@
             </a:r>
             <a:r>
               <a:rPr lang="zh-CN" altLang="en-US" dirty="0" smtClean="0"/>
-              <a:t>的电荷量差异</a:t>
+              <a:t>电荷</a:t>
+            </a:r>
+            <a:r>
+              <a:rPr lang="zh-CN" altLang="en-US" dirty="0" smtClean="0"/>
+              <a:t>量差异</a:t>
             </a:r>
             <a:endParaRPr lang="en-US" altLang="zh-CN" dirty="0" smtClean="0"/>
           </a:p>
@@ -4518,49 +5410,49 @@
           </a:p>
         </p:txBody>
       </p:sp>
+      <p:pic>
+        <p:nvPicPr>
+          <p:cNvPr id="5" name="图片 4"/>
+          <p:cNvPicPr>
+            <a:picLocks noChangeAspect="1"/>
+          </p:cNvPicPr>
+          <p:nvPr/>
+        </p:nvPicPr>
+        <p:blipFill rotWithShape="1">
+          <a:blip r:embed="rId2">
+            <a:extLst>
+              <a:ext uri="{28A0092B-C50C-407E-A947-70E740481C1C}">
+                <a14:useLocalDpi xmlns:a14="http://schemas.microsoft.com/office/drawing/2010/main" val="0"/>
+              </a:ext>
+            </a:extLst>
+          </a:blip>
+          <a:srcRect r="6579"/>
+          <a:stretch/>
+        </p:blipFill>
+        <p:spPr>
+          <a:xfrm>
+            <a:off x="203348" y="2573693"/>
+            <a:ext cx="4484185" cy="3600000"/>
+          </a:xfrm>
+          <a:prstGeom prst="rect">
+            <a:avLst/>
+          </a:prstGeom>
+        </p:spPr>
+      </p:pic>
       <p:grpSp>
         <p:nvGrpSpPr>
-          <p:cNvPr id="4" name="组合 3"/>
+          <p:cNvPr id="9" name="组合 8"/>
           <p:cNvGrpSpPr/>
           <p:nvPr/>
         </p:nvGrpSpPr>
         <p:grpSpPr>
           <a:xfrm>
-            <a:off x="203348" y="2573693"/>
-            <a:ext cx="8783021" cy="3600000"/>
-            <a:chOff x="40409" y="2699200"/>
-            <a:chExt cx="8783021" cy="3600000"/>
+            <a:off x="689989" y="2573693"/>
+            <a:ext cx="8296380" cy="3600000"/>
+            <a:chOff x="689989" y="2573693"/>
+            <a:chExt cx="8296380" cy="3600000"/>
           </a:xfrm>
         </p:grpSpPr>
-        <p:pic>
-          <p:nvPicPr>
-            <p:cNvPr id="5" name="图片 4"/>
-            <p:cNvPicPr>
-              <a:picLocks noChangeAspect="1"/>
-            </p:cNvPicPr>
-            <p:nvPr/>
-          </p:nvPicPr>
-          <p:blipFill rotWithShape="1">
-            <a:blip r:embed="rId2">
-              <a:extLst>
-                <a:ext uri="{28A0092B-C50C-407E-A947-70E740481C1C}">
-                  <a14:useLocalDpi xmlns:a14="http://schemas.microsoft.com/office/drawing/2010/main" val="0"/>
-                </a:ext>
-              </a:extLst>
-            </a:blip>
-            <a:srcRect r="6579"/>
-            <a:stretch/>
-          </p:blipFill>
-          <p:spPr>
-            <a:xfrm>
-              <a:off x="40409" y="2699200"/>
-              <a:ext cx="4484185" cy="3600000"/>
-            </a:xfrm>
-            <a:prstGeom prst="rect">
-              <a:avLst/>
-            </a:prstGeom>
-          </p:spPr>
-        </p:pic>
         <p:sp>
           <p:nvSpPr>
             <p:cNvPr id="6" name="矩形 5"/>
@@ -4569,8 +5461,8 @@
           </p:nvSpPr>
           <p:spPr>
             <a:xfrm>
-              <a:off x="527050" y="3079750"/>
-              <a:ext cx="3060700" cy="241300"/>
+              <a:off x="689989" y="2954243"/>
+              <a:ext cx="3060700" cy="241299"/>
             </a:xfrm>
             <a:prstGeom prst="rect">
               <a:avLst/>
@@ -4628,7 +5520,7 @@
           </p:blipFill>
           <p:spPr>
             <a:xfrm>
-              <a:off x="4594859" y="2699200"/>
+              <a:off x="4757798" y="2573693"/>
               <a:ext cx="4228571" cy="3600000"/>
             </a:xfrm>
             <a:prstGeom prst="rect">
@@ -4644,7 +5536,7 @@
           </p:nvSpPr>
           <p:spPr>
             <a:xfrm>
-              <a:off x="3576550" y="2919164"/>
+              <a:off x="3739489" y="2793657"/>
               <a:ext cx="1744367" cy="401885"/>
             </a:xfrm>
             <a:prstGeom prst="curvedDownArrow">
@@ -4703,6 +5595,303 @@
   <p:clrMapOvr>
     <a:masterClrMapping/>
   </p:clrMapOvr>
+  <p:timing>
+    <p:tnLst>
+      <p:par>
+        <p:cTn id="1" dur="indefinite" restart="never" nodeType="tmRoot">
+          <p:childTnLst>
+            <p:seq concurrent="1" nextAc="seek">
+              <p:cTn id="2" dur="indefinite" nodeType="mainSeq">
+                <p:childTnLst>
+                  <p:par>
+                    <p:cTn id="3" fill="hold">
+                      <p:stCondLst>
+                        <p:cond delay="indefinite"/>
+                      </p:stCondLst>
+                      <p:childTnLst>
+                        <p:par>
+                          <p:cTn id="4" fill="hold">
+                            <p:stCondLst>
+                              <p:cond delay="0"/>
+                            </p:stCondLst>
+                            <p:childTnLst>
+                              <p:par>
+                                <p:cTn id="5" presetID="1" presetClass="entr" presetSubtype="0" fill="hold" nodeType="clickEffect">
+                                  <p:stCondLst>
+                                    <p:cond delay="0"/>
+                                  </p:stCondLst>
+                                  <p:childTnLst>
+                                    <p:set>
+                                      <p:cBhvr>
+                                        <p:cTn id="6" dur="1" fill="hold">
+                                          <p:stCondLst>
+                                            <p:cond delay="0"/>
+                                          </p:stCondLst>
+                                        </p:cTn>
+                                        <p:tgtEl>
+                                          <p:spTgt spid="9"/>
+                                        </p:tgtEl>
+                                        <p:attrNameLst>
+                                          <p:attrName>style.visibility</p:attrName>
+                                        </p:attrNameLst>
+                                      </p:cBhvr>
+                                      <p:to>
+                                        <p:strVal val="visible"/>
+                                      </p:to>
+                                    </p:set>
+                                  </p:childTnLst>
+                                </p:cTn>
+                              </p:par>
+                            </p:childTnLst>
+                          </p:cTn>
+                        </p:par>
+                      </p:childTnLst>
+                    </p:cTn>
+                  </p:par>
+                </p:childTnLst>
+              </p:cTn>
+              <p:prevCondLst>
+                <p:cond evt="onPrev" delay="0">
+                  <p:tgtEl>
+                    <p:sldTgt/>
+                  </p:tgtEl>
+                </p:cond>
+              </p:prevCondLst>
+              <p:nextCondLst>
+                <p:cond evt="onNext" delay="0">
+                  <p:tgtEl>
+                    <p:sldTgt/>
+                  </p:tgtEl>
+                </p:cond>
+              </p:nextCondLst>
+            </p:seq>
+          </p:childTnLst>
+        </p:cTn>
+      </p:par>
+    </p:tnLst>
+  </p:timing>
+</p:sld>
+</file>
+
+<file path=ppt/slides/slide6.xml><?xml version="1.0" encoding="utf-8"?>
+<p:sld xmlns:a="http://schemas.openxmlformats.org/drawingml/2006/main" xmlns:r="http://schemas.openxmlformats.org/officeDocument/2006/relationships" xmlns:p="http://schemas.openxmlformats.org/presentationml/2006/main">
+  <p:cSld>
+    <p:spTree>
+      <p:nvGrpSpPr>
+        <p:cNvPr id="1" name=""/>
+        <p:cNvGrpSpPr/>
+        <p:nvPr/>
+      </p:nvGrpSpPr>
+      <p:grpSpPr>
+        <a:xfrm>
+          <a:off x="0" y="0"/>
+          <a:ext cx="0" cy="0"/>
+          <a:chOff x="0" y="0"/>
+          <a:chExt cx="0" cy="0"/>
+        </a:xfrm>
+      </p:grpSpPr>
+      <p:sp>
+        <p:nvSpPr>
+          <p:cNvPr id="2" name="标题 1"/>
+          <p:cNvSpPr>
+            <a:spLocks noGrp="1"/>
+          </p:cNvSpPr>
+          <p:nvPr>
+            <p:ph type="title"/>
+          </p:nvPr>
+        </p:nvSpPr>
+        <p:spPr/>
+        <p:txBody>
+          <a:bodyPr>
+            <a:normAutofit/>
+          </a:bodyPr>
+          <a:lstStyle/>
+          <a:p>
+            <a:r>
+              <a:rPr lang="zh-CN" altLang="en-US" dirty="0" smtClean="0"/>
+              <a:t>输入电荷和成型输出的线性</a:t>
+            </a:r>
+            <a:endParaRPr lang="zh-CN" altLang="en-US" dirty="0"/>
+          </a:p>
+        </p:txBody>
+      </p:sp>
+      <p:sp>
+        <p:nvSpPr>
+          <p:cNvPr id="6" name="内容占位符 5"/>
+          <p:cNvSpPr>
+            <a:spLocks noGrp="1"/>
+          </p:cNvSpPr>
+          <p:nvPr>
+            <p:ph idx="1"/>
+          </p:nvPr>
+        </p:nvSpPr>
+        <p:spPr/>
+        <p:txBody>
+          <a:bodyPr/>
+          <a:lstStyle/>
+          <a:p>
+            <a:r>
+              <a:rPr lang="zh-CN" altLang="en-US" dirty="0" smtClean="0"/>
+              <a:t>测量不同电荷注入的</a:t>
+            </a:r>
+            <a:r>
+              <a:rPr lang="en-US" altLang="zh-CN" dirty="0" smtClean="0"/>
+              <a:t>S</a:t>
+            </a:r>
+            <a:r>
+              <a:rPr lang="zh-CN" altLang="en-US" dirty="0" smtClean="0"/>
+              <a:t>曲线，找到</a:t>
+            </a:r>
+            <a:r>
+              <a:rPr lang="en-US" altLang="zh-CN" dirty="0" smtClean="0"/>
+              <a:t>50%</a:t>
+            </a:r>
+            <a:r>
+              <a:rPr lang="zh-CN" altLang="en-US" dirty="0" smtClean="0"/>
+              <a:t>触发率对应的</a:t>
+            </a:r>
+            <a:r>
+              <a:rPr lang="en-US" altLang="zh-CN" dirty="0" smtClean="0"/>
+              <a:t>DAC</a:t>
+            </a:r>
+            <a:r>
+              <a:rPr lang="zh-CN" altLang="en-US" dirty="0" smtClean="0"/>
+              <a:t>码值，然后再转换成阈值</a:t>
+            </a:r>
+            <a:endParaRPr lang="en-US" altLang="zh-CN" dirty="0" smtClean="0"/>
+          </a:p>
+          <a:p>
+            <a:pPr lvl="1"/>
+            <a:r>
+              <a:rPr lang="en-US" altLang="zh-CN" dirty="0" smtClean="0"/>
+              <a:t>High Gain</a:t>
+            </a:r>
+            <a:r>
+              <a:rPr lang="zh-CN" altLang="en-US" dirty="0" smtClean="0"/>
+              <a:t>成形在</a:t>
+            </a:r>
+            <a:r>
+              <a:rPr lang="en-US" altLang="zh-CN" dirty="0" smtClean="0"/>
+              <a:t>140fC</a:t>
+            </a:r>
+            <a:r>
+              <a:rPr lang="zh-CN" altLang="en-US" dirty="0" smtClean="0"/>
+              <a:t>饱和</a:t>
+            </a:r>
+            <a:endParaRPr lang="en-US" altLang="zh-CN" dirty="0" smtClean="0"/>
+          </a:p>
+          <a:p>
+            <a:pPr lvl="1"/>
+            <a:r>
+              <a:rPr lang="en-US" altLang="zh-CN" dirty="0" smtClean="0"/>
+              <a:t>Low Gain</a:t>
+            </a:r>
+            <a:r>
+              <a:rPr lang="zh-CN" altLang="en-US" dirty="0" smtClean="0"/>
+              <a:t>成形</a:t>
+            </a:r>
+            <a:r>
+              <a:rPr lang="en-US" altLang="zh-CN" dirty="0" smtClean="0"/>
+              <a:t>500fC</a:t>
+            </a:r>
+            <a:r>
+              <a:rPr lang="zh-CN" altLang="en-US" dirty="0" smtClean="0"/>
+              <a:t>时饱和</a:t>
+            </a:r>
+            <a:endParaRPr lang="zh-CN" altLang="en-US" dirty="0"/>
+          </a:p>
+        </p:txBody>
+      </p:sp>
+      <p:grpSp>
+        <p:nvGrpSpPr>
+          <p:cNvPr id="9" name="组合 8"/>
+          <p:cNvGrpSpPr/>
+          <p:nvPr/>
+        </p:nvGrpSpPr>
+        <p:grpSpPr>
+          <a:xfrm>
+            <a:off x="128484" y="2816076"/>
+            <a:ext cx="8932749" cy="3600000"/>
+            <a:chOff x="112485" y="2206476"/>
+            <a:chExt cx="8932749" cy="3600000"/>
+          </a:xfrm>
+        </p:grpSpPr>
+        <p:pic>
+          <p:nvPicPr>
+            <p:cNvPr id="7" name="图片 6"/>
+            <p:cNvPicPr>
+              <a:picLocks noChangeAspect="1"/>
+            </p:cNvPicPr>
+            <p:nvPr/>
+          </p:nvPicPr>
+          <p:blipFill rotWithShape="1">
+            <a:blip r:embed="rId2">
+              <a:extLst>
+                <a:ext uri="{28A0092B-C50C-407E-A947-70E740481C1C}">
+                  <a14:useLocalDpi xmlns:a14="http://schemas.microsoft.com/office/drawing/2010/main" val="0"/>
+                </a:ext>
+              </a:extLst>
+            </a:blip>
+            <a:srcRect r="7502"/>
+            <a:stretch/>
+          </p:blipFill>
+          <p:spPr>
+            <a:xfrm>
+              <a:off x="112485" y="2206476"/>
+              <a:ext cx="4439883" cy="3600000"/>
+            </a:xfrm>
+            <a:prstGeom prst="rect">
+              <a:avLst/>
+            </a:prstGeom>
+          </p:spPr>
+        </p:pic>
+        <p:pic>
+          <p:nvPicPr>
+            <p:cNvPr id="8" name="图片 7"/>
+            <p:cNvPicPr>
+              <a:picLocks noChangeAspect="1"/>
+            </p:cNvPicPr>
+            <p:nvPr/>
+          </p:nvPicPr>
+          <p:blipFill rotWithShape="1">
+            <a:blip r:embed="rId3">
+              <a:extLst>
+                <a:ext uri="{28A0092B-C50C-407E-A947-70E740481C1C}">
+                  <a14:useLocalDpi xmlns:a14="http://schemas.microsoft.com/office/drawing/2010/main" val="0"/>
+                </a:ext>
+              </a:extLst>
+            </a:blip>
+            <a:srcRect r="6399"/>
+            <a:stretch/>
+          </p:blipFill>
+          <p:spPr>
+            <a:xfrm>
+              <a:off x="4552368" y="2206476"/>
+              <a:ext cx="4492866" cy="3600000"/>
+            </a:xfrm>
+            <a:prstGeom prst="rect">
+              <a:avLst/>
+            </a:prstGeom>
+          </p:spPr>
+        </p:pic>
+      </p:grpSp>
+    </p:spTree>
+    <p:extLst>
+      <p:ext uri="{BB962C8B-B14F-4D97-AF65-F5344CB8AC3E}">
+        <p14:creationId xmlns:p14="http://schemas.microsoft.com/office/powerpoint/2010/main" val="1846663881"/>
+      </p:ext>
+    </p:extLst>
+  </p:cSld>
+  <p:clrMapOvr>
+    <a:masterClrMapping/>
+  </p:clrMapOvr>
+  <p:timing>
+    <p:tnLst>
+      <p:par>
+        <p:cTn id="1" dur="indefinite" restart="never" nodeType="tmRoot"/>
+      </p:par>
+    </p:tnLst>
+  </p:timing>
 </p:sld>
 </file>
 
@@ -4738,6 +5927,10 @@
           <a:bodyPr/>
           <a:lstStyle/>
           <a:p>
+            <a:r>
+              <a:rPr lang="zh-CN" altLang="en-US" dirty="0" smtClean="0"/>
+              <a:t>探测器成形输出</a:t>
+            </a:r>
             <a:endParaRPr lang="zh-CN" altLang="en-US" dirty="0"/>
           </a:p>
         </p:txBody>
@@ -4757,20 +5950,85 @@
           <a:bodyPr/>
           <a:lstStyle/>
           <a:p>
-            <a:endParaRPr lang="zh-CN" altLang="en-US"/>
-          </a:p>
-        </p:txBody>
-      </p:sp>
+            <a:r>
+              <a:rPr lang="en-US" altLang="zh-CN" dirty="0" smtClean="0"/>
+              <a:t>8KeV X</a:t>
+            </a:r>
+            <a:r>
+              <a:rPr lang="zh-CN" altLang="en-US" dirty="0" smtClean="0"/>
+              <a:t>射线</a:t>
+            </a:r>
+            <a:endParaRPr lang="en-US" altLang="zh-CN" dirty="0" smtClean="0"/>
+          </a:p>
+          <a:p>
+            <a:pPr lvl="1"/>
+            <a:r>
+              <a:rPr lang="zh-CN" altLang="en-US" dirty="0" smtClean="0"/>
+              <a:t>示波器看到的噪声</a:t>
+            </a:r>
+            <a:r>
+              <a:rPr lang="en-US" altLang="zh-CN" dirty="0" smtClean="0"/>
+              <a:t>30mV</a:t>
+            </a:r>
+            <a:r>
+              <a:rPr lang="zh-CN" altLang="en-US" dirty="0" smtClean="0"/>
+              <a:t>，相当于</a:t>
+            </a:r>
+            <a:r>
+              <a:rPr lang="en-US" altLang="zh-CN" dirty="0" smtClean="0"/>
+              <a:t>2.8fC </a:t>
+            </a:r>
+            <a:endParaRPr lang="zh-CN" altLang="en-US" dirty="0"/>
+          </a:p>
+        </p:txBody>
+      </p:sp>
+      <p:pic>
+        <p:nvPicPr>
+          <p:cNvPr id="4" name="图片 3"/>
+          <p:cNvPicPr>
+            <a:picLocks noChangeAspect="1"/>
+          </p:cNvPicPr>
+          <p:nvPr/>
+        </p:nvPicPr>
+        <p:blipFill>
+          <a:blip r:embed="rId2">
+            <a:extLst>
+              <a:ext uri="{28A0092B-C50C-407E-A947-70E740481C1C}">
+                <a14:useLocalDpi xmlns:a14="http://schemas.microsoft.com/office/drawing/2010/main" val="0"/>
+              </a:ext>
+            </a:extLst>
+          </a:blip>
+          <a:stretch>
+            <a:fillRect/>
+          </a:stretch>
+        </p:blipFill>
+        <p:spPr>
+          <a:xfrm>
+            <a:off x="1474859" y="2178000"/>
+            <a:ext cx="6240000" cy="4680000"/>
+          </a:xfrm>
+          <a:prstGeom prst="rect">
+            <a:avLst/>
+          </a:prstGeom>
+        </p:spPr>
+      </p:pic>
     </p:spTree>
     <p:extLst>
       <p:ext uri="{BB962C8B-B14F-4D97-AF65-F5344CB8AC3E}">
-        <p14:creationId xmlns:p14="http://schemas.microsoft.com/office/powerpoint/2010/main" val="1846663881"/>
+        <p14:creationId xmlns:p14="http://schemas.microsoft.com/office/powerpoint/2010/main" val="1673578935"/>
       </p:ext>
     </p:extLst>
   </p:cSld>
   <p:clrMapOvr>
     <a:masterClrMapping/>
   </p:clrMapOvr>
+  <p:timing>
+    <p:tnLst>
+      <p:par>
+        <p:cTn id="1" dur="indefinite" restart="never" nodeType="tmRoot"/>
+      </p:par>
+    </p:tnLst>
+  </p:timing>
 </p:sld>
 </file>
 
@@ -4808,7 +6066,7 @@
           <a:p>
             <a:r>
               <a:rPr lang="zh-CN" altLang="en-US" dirty="0" smtClean="0"/>
-              <a:t>目前遇到的问题</a:t>
+              <a:t>串扰测量</a:t>
             </a:r>
             <a:endParaRPr lang="zh-CN" altLang="en-US" dirty="0"/>
           </a:p>
@@ -4826,81 +6084,795 @@
         </p:nvSpPr>
         <p:spPr/>
         <p:txBody>
-          <a:bodyPr/>
-          <a:lstStyle/>
-          <a:p>
-            <a:r>
-              <a:rPr lang="zh-CN" altLang="en-US" dirty="0" smtClean="0"/>
-              <a:t>经过准直之后的</a:t>
+          <a:bodyPr>
+            <a:normAutofit fontScale="92500"/>
+          </a:bodyPr>
+          <a:lstStyle/>
+          <a:p>
+            <a:r>
+              <a:rPr lang="zh-CN" altLang="en-US" dirty="0" smtClean="0"/>
+              <a:t>使用</a:t>
             </a:r>
             <a:r>
               <a:rPr lang="en-US" altLang="zh-CN" dirty="0" smtClean="0"/>
-              <a:t>X</a:t>
-            </a:r>
-            <a:r>
-              <a:rPr lang="zh-CN" altLang="en-US" dirty="0" smtClean="0"/>
-              <a:t>光机事例率太低</a:t>
+              <a:t>1mm</a:t>
+            </a:r>
+            <a:r>
+              <a:rPr lang="zh-CN" altLang="en-US" dirty="0" smtClean="0"/>
+              <a:t>准直孔，击中其中一个</a:t>
+            </a:r>
+            <a:r>
+              <a:rPr lang="en-US" altLang="zh-CN" dirty="0" smtClean="0"/>
+              <a:t>Pad</a:t>
+            </a:r>
+            <a:r>
+              <a:rPr lang="zh-CN" altLang="en-US" dirty="0" smtClean="0"/>
+              <a:t>，读回数据</a:t>
             </a:r>
             <a:endParaRPr lang="en-US" altLang="zh-CN" dirty="0" smtClean="0"/>
           </a:p>
           <a:p>
-            <a:pPr lvl="1"/>
-            <a:r>
-              <a:rPr lang="zh-CN" altLang="en-US" dirty="0" smtClean="0"/>
-              <a:t>调节之后有</a:t>
+            <a:r>
+              <a:rPr lang="zh-CN" altLang="en-US" dirty="0"/>
+              <a:t>三</a:t>
+            </a:r>
+            <a:r>
+              <a:rPr lang="zh-CN" altLang="en-US" dirty="0" smtClean="0"/>
+              <a:t>个阈：</a:t>
             </a:r>
             <a:r>
               <a:rPr lang="en-US" altLang="zh-CN" dirty="0" smtClean="0"/>
-              <a:t>30 counts/s</a:t>
-            </a:r>
-          </a:p>
-          <a:p>
-            <a:pPr lvl="1"/>
-            <a:r>
-              <a:rPr lang="en-US" altLang="zh-CN" dirty="0" smtClean="0"/>
-              <a:t> </a:t>
-            </a:r>
-            <a:r>
-              <a:rPr lang="zh-CN" altLang="en-US" dirty="0" smtClean="0"/>
-              <a:t>会记录下宇宙线事例</a:t>
+              <a:t>3fC,20fC,150fC</a:t>
+            </a:r>
+          </a:p>
+          <a:p>
+            <a:r>
+              <a:rPr lang="zh-CN" altLang="en-US" dirty="0" smtClean="0"/>
+              <a:t>每次击中的数据格式如下，即可得到这次击中的电荷量</a:t>
             </a:r>
             <a:endParaRPr lang="en-US" altLang="zh-CN" dirty="0" smtClean="0"/>
           </a:p>
           <a:p>
-            <a:r>
-              <a:rPr lang="zh-CN" altLang="en-US" dirty="0" smtClean="0"/>
-              <a:t>串扰数据分析</a:t>
-            </a:r>
+            <a:endParaRPr lang="en-US" altLang="zh-CN" dirty="0"/>
+          </a:p>
+          <a:p>
             <a:endParaRPr lang="en-US" altLang="zh-CN" dirty="0" smtClean="0"/>
           </a:p>
           <a:p>
-            <a:pPr lvl="1"/>
-            <a:r>
-              <a:rPr lang="zh-CN" altLang="en-US" dirty="0" smtClean="0"/>
-              <a:t>只有</a:t>
-            </a:r>
-            <a:r>
-              <a:rPr lang="en-US" altLang="zh-CN" dirty="0" smtClean="0"/>
-              <a:t>3</a:t>
-            </a:r>
-            <a:r>
-              <a:rPr lang="zh-CN" altLang="en-US" dirty="0" smtClean="0"/>
-              <a:t>个阈，分析串扰不是很精确</a:t>
+            <a:endParaRPr lang="en-US" altLang="zh-CN" dirty="0"/>
+          </a:p>
+          <a:p>
+            <a:endParaRPr lang="en-US" altLang="zh-CN" dirty="0" smtClean="0"/>
+          </a:p>
+          <a:p>
+            <a:r>
+              <a:rPr lang="zh-CN" altLang="en-US" dirty="0" smtClean="0"/>
+              <a:t>多次测量，对每个通道的数据取平均</a:t>
             </a:r>
             <a:endParaRPr lang="zh-CN" altLang="en-US" dirty="0"/>
           </a:p>
         </p:txBody>
       </p:sp>
+      <p:graphicFrame>
+        <p:nvGraphicFramePr>
+          <p:cNvPr id="4" name="表格 3"/>
+          <p:cNvGraphicFramePr>
+            <a:graphicFrameLocks noGrp="1"/>
+          </p:cNvGraphicFramePr>
+          <p:nvPr>
+            <p:extLst>
+              <p:ext uri="{D42A27DB-BD31-4B8C-83A1-F6EECF244321}">
+                <p14:modId xmlns:p14="http://schemas.microsoft.com/office/powerpoint/2010/main" val="4242162735"/>
+              </p:ext>
+            </p:extLst>
+          </p:nvPr>
+        </p:nvGraphicFramePr>
+        <p:xfrm>
+          <a:off x="1234802" y="2999729"/>
+          <a:ext cx="6720114" cy="1854200"/>
+        </p:xfrm>
+        <a:graphic>
+          <a:graphicData uri="http://schemas.openxmlformats.org/drawingml/2006/table">
+            <a:tbl>
+              <a:tblPr firstRow="1" bandRow="1">
+                <a:tableStyleId>{5C22544A-7EE6-4342-B048-85BDC9FD1C3A}</a:tableStyleId>
+              </a:tblPr>
+              <a:tblGrid>
+                <a:gridCol w="1120019"/>
+                <a:gridCol w="1120019"/>
+                <a:gridCol w="1120019"/>
+                <a:gridCol w="1120019"/>
+                <a:gridCol w="1120019"/>
+                <a:gridCol w="1120019"/>
+              </a:tblGrid>
+              <a:tr h="370840">
+                <a:tc>
+                  <a:txBody>
+                    <a:bodyPr/>
+                    <a:lstStyle/>
+                    <a:p>
+                      <a:pPr algn="ctr"/>
+                      <a:r>
+                        <a:rPr lang="en-US" altLang="zh-CN" dirty="0" smtClean="0"/>
+                        <a:t>Discri2</a:t>
+                      </a:r>
+                      <a:endParaRPr lang="zh-CN" altLang="en-US" dirty="0"/>
+                    </a:p>
+                  </a:txBody>
+                  <a:tcPr/>
+                </a:tc>
+                <a:tc>
+                  <a:txBody>
+                    <a:bodyPr/>
+                    <a:lstStyle/>
+                    <a:p>
+                      <a:pPr algn="ctr"/>
+                      <a:r>
+                        <a:rPr lang="en-US" altLang="zh-CN" dirty="0" smtClean="0"/>
+                        <a:t>Discri1</a:t>
+                      </a:r>
+                      <a:endParaRPr lang="zh-CN" altLang="en-US" dirty="0"/>
+                    </a:p>
+                  </a:txBody>
+                  <a:tcPr/>
+                </a:tc>
+                <a:tc>
+                  <a:txBody>
+                    <a:bodyPr/>
+                    <a:lstStyle/>
+                    <a:p>
+                      <a:pPr algn="ctr"/>
+                      <a:r>
+                        <a:rPr lang="en-US" altLang="zh-CN" dirty="0" smtClean="0"/>
+                        <a:t>Discri0</a:t>
+                      </a:r>
+                      <a:endParaRPr lang="zh-CN" altLang="en-US" dirty="0"/>
+                    </a:p>
+                  </a:txBody>
+                  <a:tcPr/>
+                </a:tc>
+                <a:tc>
+                  <a:txBody>
+                    <a:bodyPr/>
+                    <a:lstStyle/>
+                    <a:p>
+                      <a:pPr algn="ctr"/>
+                      <a:r>
+                        <a:rPr lang="en-US" altLang="zh-CN" dirty="0" smtClean="0"/>
+                        <a:t>D1</a:t>
+                      </a:r>
+                      <a:endParaRPr lang="zh-CN" altLang="en-US" dirty="0"/>
+                    </a:p>
+                  </a:txBody>
+                  <a:tcPr/>
+                </a:tc>
+                <a:tc>
+                  <a:txBody>
+                    <a:bodyPr/>
+                    <a:lstStyle/>
+                    <a:p>
+                      <a:pPr algn="ctr"/>
+                      <a:r>
+                        <a:rPr lang="en-US" altLang="zh-CN" dirty="0" smtClean="0"/>
+                        <a:t>D0</a:t>
+                      </a:r>
+                      <a:endParaRPr lang="zh-CN" altLang="en-US" dirty="0"/>
+                    </a:p>
+                  </a:txBody>
+                  <a:tcPr/>
+                </a:tc>
+                <a:tc>
+                  <a:txBody>
+                    <a:bodyPr/>
+                    <a:lstStyle/>
+                    <a:p>
+                      <a:pPr algn="ctr"/>
+                      <a:r>
+                        <a:rPr lang="en-US" altLang="zh-CN" dirty="0" smtClean="0"/>
+                        <a:t>Charge(</a:t>
+                      </a:r>
+                      <a:r>
+                        <a:rPr lang="en-US" altLang="zh-CN" dirty="0" err="1" smtClean="0"/>
+                        <a:t>fC</a:t>
+                      </a:r>
+                      <a:r>
+                        <a:rPr lang="en-US" altLang="zh-CN" dirty="0" smtClean="0"/>
+                        <a:t>)</a:t>
+                      </a:r>
+                      <a:endParaRPr lang="zh-CN" altLang="en-US" dirty="0"/>
+                    </a:p>
+                  </a:txBody>
+                  <a:tcPr/>
+                </a:tc>
+              </a:tr>
+              <a:tr h="370840">
+                <a:tc>
+                  <a:txBody>
+                    <a:bodyPr/>
+                    <a:lstStyle/>
+                    <a:p>
+                      <a:pPr algn="ctr"/>
+                      <a:r>
+                        <a:rPr lang="en-US" altLang="zh-CN" dirty="0" smtClean="0"/>
+                        <a:t>0</a:t>
+                      </a:r>
+                      <a:endParaRPr lang="zh-CN" altLang="en-US" dirty="0"/>
+                    </a:p>
+                  </a:txBody>
+                  <a:tcPr/>
+                </a:tc>
+                <a:tc>
+                  <a:txBody>
+                    <a:bodyPr/>
+                    <a:lstStyle/>
+                    <a:p>
+                      <a:pPr algn="ctr"/>
+                      <a:r>
+                        <a:rPr lang="en-US" altLang="zh-CN" dirty="0" smtClean="0"/>
+                        <a:t>0</a:t>
+                      </a:r>
+                      <a:endParaRPr lang="zh-CN" altLang="en-US" dirty="0"/>
+                    </a:p>
+                  </a:txBody>
+                  <a:tcPr/>
+                </a:tc>
+                <a:tc>
+                  <a:txBody>
+                    <a:bodyPr/>
+                    <a:lstStyle/>
+                    <a:p>
+                      <a:pPr algn="ctr"/>
+                      <a:r>
+                        <a:rPr lang="en-US" altLang="zh-CN" dirty="0" smtClean="0"/>
+                        <a:t>0</a:t>
+                      </a:r>
+                      <a:endParaRPr lang="zh-CN" altLang="en-US" dirty="0"/>
+                    </a:p>
+                  </a:txBody>
+                  <a:tcPr/>
+                </a:tc>
+                <a:tc>
+                  <a:txBody>
+                    <a:bodyPr/>
+                    <a:lstStyle/>
+                    <a:p>
+                      <a:pPr algn="ctr"/>
+                      <a:r>
+                        <a:rPr lang="en-US" altLang="zh-CN" dirty="0" smtClean="0"/>
+                        <a:t>0</a:t>
+                      </a:r>
+                      <a:endParaRPr lang="zh-CN" altLang="en-US" dirty="0"/>
+                    </a:p>
+                  </a:txBody>
+                  <a:tcPr/>
+                </a:tc>
+                <a:tc>
+                  <a:txBody>
+                    <a:bodyPr/>
+                    <a:lstStyle/>
+                    <a:p>
+                      <a:pPr algn="ctr"/>
+                      <a:r>
+                        <a:rPr lang="en-US" altLang="zh-CN" dirty="0" smtClean="0"/>
+                        <a:t>0</a:t>
+                      </a:r>
+                      <a:endParaRPr lang="zh-CN" altLang="en-US" dirty="0"/>
+                    </a:p>
+                  </a:txBody>
+                  <a:tcPr/>
+                </a:tc>
+                <a:tc>
+                  <a:txBody>
+                    <a:bodyPr/>
+                    <a:lstStyle/>
+                    <a:p>
+                      <a:pPr algn="ctr"/>
+                      <a:r>
+                        <a:rPr lang="en-US" altLang="zh-CN" dirty="0" smtClean="0"/>
+                        <a:t>0</a:t>
+                      </a:r>
+                      <a:endParaRPr lang="zh-CN" altLang="en-US" dirty="0"/>
+                    </a:p>
+                  </a:txBody>
+                  <a:tcPr/>
+                </a:tc>
+              </a:tr>
+              <a:tr h="370840">
+                <a:tc>
+                  <a:txBody>
+                    <a:bodyPr/>
+                    <a:lstStyle/>
+                    <a:p>
+                      <a:pPr algn="ctr"/>
+                      <a:r>
+                        <a:rPr lang="en-US" altLang="zh-CN" dirty="0" smtClean="0"/>
+                        <a:t>0</a:t>
+                      </a:r>
+                      <a:endParaRPr lang="zh-CN" altLang="en-US" dirty="0"/>
+                    </a:p>
+                  </a:txBody>
+                  <a:tcPr/>
+                </a:tc>
+                <a:tc>
+                  <a:txBody>
+                    <a:bodyPr/>
+                    <a:lstStyle/>
+                    <a:p>
+                      <a:pPr algn="ctr"/>
+                      <a:r>
+                        <a:rPr lang="en-US" altLang="zh-CN" dirty="0" smtClean="0"/>
+                        <a:t>0</a:t>
+                      </a:r>
+                      <a:endParaRPr lang="zh-CN" altLang="en-US" dirty="0"/>
+                    </a:p>
+                  </a:txBody>
+                  <a:tcPr/>
+                </a:tc>
+                <a:tc>
+                  <a:txBody>
+                    <a:bodyPr/>
+                    <a:lstStyle/>
+                    <a:p>
+                      <a:pPr algn="ctr"/>
+                      <a:r>
+                        <a:rPr lang="en-US" altLang="zh-CN" dirty="0" smtClean="0"/>
+                        <a:t>1</a:t>
+                      </a:r>
+                      <a:endParaRPr lang="zh-CN" altLang="en-US" dirty="0"/>
+                    </a:p>
+                  </a:txBody>
+                  <a:tcPr/>
+                </a:tc>
+                <a:tc>
+                  <a:txBody>
+                    <a:bodyPr/>
+                    <a:lstStyle/>
+                    <a:p>
+                      <a:pPr algn="ctr"/>
+                      <a:r>
+                        <a:rPr lang="en-US" altLang="zh-CN" dirty="0" smtClean="0"/>
+                        <a:t>0</a:t>
+                      </a:r>
+                      <a:endParaRPr lang="zh-CN" altLang="en-US" dirty="0"/>
+                    </a:p>
+                  </a:txBody>
+                  <a:tcPr/>
+                </a:tc>
+                <a:tc>
+                  <a:txBody>
+                    <a:bodyPr/>
+                    <a:lstStyle/>
+                    <a:p>
+                      <a:pPr algn="ctr"/>
+                      <a:r>
+                        <a:rPr lang="en-US" altLang="zh-CN" dirty="0" smtClean="0"/>
+                        <a:t>1</a:t>
+                      </a:r>
+                      <a:endParaRPr lang="zh-CN" altLang="en-US" dirty="0"/>
+                    </a:p>
+                  </a:txBody>
+                  <a:tcPr/>
+                </a:tc>
+                <a:tc>
+                  <a:txBody>
+                    <a:bodyPr/>
+                    <a:lstStyle/>
+                    <a:p>
+                      <a:pPr algn="ctr"/>
+                      <a:r>
+                        <a:rPr lang="en-US" altLang="zh-CN" dirty="0" smtClean="0"/>
+                        <a:t>3</a:t>
+                      </a:r>
+                      <a:endParaRPr lang="zh-CN" altLang="en-US" dirty="0"/>
+                    </a:p>
+                  </a:txBody>
+                  <a:tcPr/>
+                </a:tc>
+              </a:tr>
+              <a:tr h="370840">
+                <a:tc>
+                  <a:txBody>
+                    <a:bodyPr/>
+                    <a:lstStyle/>
+                    <a:p>
+                      <a:pPr algn="ctr"/>
+                      <a:r>
+                        <a:rPr lang="en-US" altLang="zh-CN" dirty="0" smtClean="0"/>
+                        <a:t>0</a:t>
+                      </a:r>
+                      <a:endParaRPr lang="zh-CN" altLang="en-US" dirty="0"/>
+                    </a:p>
+                  </a:txBody>
+                  <a:tcPr/>
+                </a:tc>
+                <a:tc>
+                  <a:txBody>
+                    <a:bodyPr/>
+                    <a:lstStyle/>
+                    <a:p>
+                      <a:pPr algn="ctr"/>
+                      <a:r>
+                        <a:rPr lang="en-US" altLang="zh-CN" dirty="0" smtClean="0"/>
+                        <a:t>1</a:t>
+                      </a:r>
+                      <a:endParaRPr lang="zh-CN" altLang="en-US" dirty="0"/>
+                    </a:p>
+                  </a:txBody>
+                  <a:tcPr/>
+                </a:tc>
+                <a:tc>
+                  <a:txBody>
+                    <a:bodyPr/>
+                    <a:lstStyle/>
+                    <a:p>
+                      <a:pPr algn="ctr"/>
+                      <a:r>
+                        <a:rPr lang="en-US" altLang="zh-CN" dirty="0" smtClean="0"/>
+                        <a:t>1</a:t>
+                      </a:r>
+                      <a:endParaRPr lang="zh-CN" altLang="en-US" dirty="0"/>
+                    </a:p>
+                  </a:txBody>
+                  <a:tcPr/>
+                </a:tc>
+                <a:tc>
+                  <a:txBody>
+                    <a:bodyPr/>
+                    <a:lstStyle/>
+                    <a:p>
+                      <a:pPr algn="ctr"/>
+                      <a:r>
+                        <a:rPr lang="en-US" altLang="zh-CN" dirty="0" smtClean="0"/>
+                        <a:t>1</a:t>
+                      </a:r>
+                      <a:endParaRPr lang="zh-CN" altLang="en-US" dirty="0"/>
+                    </a:p>
+                  </a:txBody>
+                  <a:tcPr/>
+                </a:tc>
+                <a:tc>
+                  <a:txBody>
+                    <a:bodyPr/>
+                    <a:lstStyle/>
+                    <a:p>
+                      <a:pPr algn="ctr"/>
+                      <a:r>
+                        <a:rPr lang="en-US" altLang="zh-CN" dirty="0" smtClean="0"/>
+                        <a:t>0</a:t>
+                      </a:r>
+                      <a:endParaRPr lang="zh-CN" altLang="en-US" dirty="0"/>
+                    </a:p>
+                  </a:txBody>
+                  <a:tcPr/>
+                </a:tc>
+                <a:tc>
+                  <a:txBody>
+                    <a:bodyPr/>
+                    <a:lstStyle/>
+                    <a:p>
+                      <a:pPr algn="ctr"/>
+                      <a:r>
+                        <a:rPr lang="en-US" altLang="zh-CN" dirty="0" smtClean="0"/>
+                        <a:t>20</a:t>
+                      </a:r>
+                      <a:endParaRPr lang="zh-CN" altLang="en-US" dirty="0"/>
+                    </a:p>
+                  </a:txBody>
+                  <a:tcPr/>
+                </a:tc>
+              </a:tr>
+              <a:tr h="370840">
+                <a:tc>
+                  <a:txBody>
+                    <a:bodyPr/>
+                    <a:lstStyle/>
+                    <a:p>
+                      <a:pPr algn="ctr"/>
+                      <a:r>
+                        <a:rPr lang="en-US" altLang="zh-CN" dirty="0" smtClean="0"/>
+                        <a:t>1</a:t>
+                      </a:r>
+                      <a:endParaRPr lang="zh-CN" altLang="en-US" dirty="0"/>
+                    </a:p>
+                  </a:txBody>
+                  <a:tcPr/>
+                </a:tc>
+                <a:tc>
+                  <a:txBody>
+                    <a:bodyPr/>
+                    <a:lstStyle/>
+                    <a:p>
+                      <a:pPr algn="ctr"/>
+                      <a:r>
+                        <a:rPr lang="en-US" altLang="zh-CN" dirty="0" smtClean="0"/>
+                        <a:t>1</a:t>
+                      </a:r>
+                      <a:endParaRPr lang="zh-CN" altLang="en-US" dirty="0"/>
+                    </a:p>
+                  </a:txBody>
+                  <a:tcPr/>
+                </a:tc>
+                <a:tc>
+                  <a:txBody>
+                    <a:bodyPr/>
+                    <a:lstStyle/>
+                    <a:p>
+                      <a:pPr algn="ctr"/>
+                      <a:r>
+                        <a:rPr lang="en-US" altLang="zh-CN" dirty="0" smtClean="0"/>
+                        <a:t>1</a:t>
+                      </a:r>
+                      <a:endParaRPr lang="zh-CN" altLang="en-US" dirty="0"/>
+                    </a:p>
+                  </a:txBody>
+                  <a:tcPr/>
+                </a:tc>
+                <a:tc>
+                  <a:txBody>
+                    <a:bodyPr/>
+                    <a:lstStyle/>
+                    <a:p>
+                      <a:pPr algn="ctr"/>
+                      <a:r>
+                        <a:rPr lang="en-US" altLang="zh-CN" dirty="0" smtClean="0"/>
+                        <a:t>1</a:t>
+                      </a:r>
+                      <a:endParaRPr lang="zh-CN" altLang="en-US" dirty="0"/>
+                    </a:p>
+                  </a:txBody>
+                  <a:tcPr/>
+                </a:tc>
+                <a:tc>
+                  <a:txBody>
+                    <a:bodyPr/>
+                    <a:lstStyle/>
+                    <a:p>
+                      <a:pPr algn="ctr"/>
+                      <a:r>
+                        <a:rPr lang="en-US" altLang="zh-CN" dirty="0" smtClean="0"/>
+                        <a:t>1</a:t>
+                      </a:r>
+                      <a:endParaRPr lang="zh-CN" altLang="en-US" dirty="0"/>
+                    </a:p>
+                  </a:txBody>
+                  <a:tcPr/>
+                </a:tc>
+                <a:tc>
+                  <a:txBody>
+                    <a:bodyPr/>
+                    <a:lstStyle/>
+                    <a:p>
+                      <a:pPr algn="ctr"/>
+                      <a:r>
+                        <a:rPr lang="en-US" altLang="zh-CN" dirty="0" smtClean="0"/>
+                        <a:t>150</a:t>
+                      </a:r>
+                      <a:endParaRPr lang="zh-CN" altLang="en-US" dirty="0"/>
+                    </a:p>
+                  </a:txBody>
+                  <a:tcPr/>
+                </a:tc>
+              </a:tr>
+            </a:tbl>
+          </a:graphicData>
+        </a:graphic>
+      </p:graphicFrame>
     </p:spTree>
     <p:extLst>
       <p:ext uri="{BB962C8B-B14F-4D97-AF65-F5344CB8AC3E}">
-        <p14:creationId xmlns:p14="http://schemas.microsoft.com/office/powerpoint/2010/main" val="1427842503"/>
+        <p14:creationId xmlns:p14="http://schemas.microsoft.com/office/powerpoint/2010/main" val="1612562424"/>
       </p:ext>
     </p:extLst>
   </p:cSld>
   <p:clrMapOvr>
     <a:masterClrMapping/>
   </p:clrMapOvr>
+  <p:timing>
+    <p:tnLst>
+      <p:par>
+        <p:cTn id="1" dur="indefinite" restart="never" nodeType="tmRoot"/>
+      </p:par>
+    </p:tnLst>
+  </p:timing>
+</p:sld>
+</file>
+
+<file path=ppt/slides/slide9.xml><?xml version="1.0" encoding="utf-8"?>
+<p:sld xmlns:a="http://schemas.openxmlformats.org/drawingml/2006/main" xmlns:r="http://schemas.openxmlformats.org/officeDocument/2006/relationships" xmlns:p="http://schemas.openxmlformats.org/presentationml/2006/main">
+  <p:cSld>
+    <p:spTree>
+      <p:nvGrpSpPr>
+        <p:cNvPr id="1" name=""/>
+        <p:cNvGrpSpPr/>
+        <p:nvPr/>
+      </p:nvGrpSpPr>
+      <p:grpSpPr>
+        <a:xfrm>
+          <a:off x="0" y="0"/>
+          <a:ext cx="0" cy="0"/>
+          <a:chOff x="0" y="0"/>
+          <a:chExt cx="0" cy="0"/>
+        </a:xfrm>
+      </p:grpSpPr>
+      <p:sp>
+        <p:nvSpPr>
+          <p:cNvPr id="2" name="标题 1"/>
+          <p:cNvSpPr>
+            <a:spLocks noGrp="1"/>
+          </p:cNvSpPr>
+          <p:nvPr>
+            <p:ph type="title"/>
+          </p:nvPr>
+        </p:nvSpPr>
+        <p:spPr/>
+        <p:txBody>
+          <a:bodyPr/>
+          <a:lstStyle/>
+          <a:p>
+            <a:r>
+              <a:rPr lang="zh-CN" altLang="en-US" dirty="0" smtClean="0"/>
+              <a:t>串扰测量</a:t>
+            </a:r>
+            <a:endParaRPr lang="zh-CN" altLang="en-US" dirty="0"/>
+          </a:p>
+        </p:txBody>
+      </p:sp>
+      <p:sp>
+        <p:nvSpPr>
+          <p:cNvPr id="3" name="内容占位符 2"/>
+          <p:cNvSpPr>
+            <a:spLocks noGrp="1"/>
+          </p:cNvSpPr>
+          <p:nvPr>
+            <p:ph idx="1"/>
+          </p:nvPr>
+        </p:nvSpPr>
+        <p:spPr/>
+        <p:txBody>
+          <a:bodyPr/>
+          <a:lstStyle/>
+          <a:p>
+            <a:r>
+              <a:rPr lang="zh-CN" altLang="en-US" dirty="0" smtClean="0"/>
+              <a:t>结果：测量</a:t>
+            </a:r>
+            <a:r>
+              <a:rPr lang="en-US" altLang="zh-CN" dirty="0" smtClean="0"/>
+              <a:t>2000</a:t>
+            </a:r>
+            <a:r>
+              <a:rPr lang="zh-CN" altLang="en-US" dirty="0" smtClean="0"/>
+              <a:t>次击中信息，然后平均</a:t>
+            </a:r>
+            <a:endParaRPr lang="en-US" altLang="zh-CN" dirty="0" smtClean="0"/>
+          </a:p>
+          <a:p>
+            <a:r>
+              <a:rPr lang="zh-CN" altLang="en-US" dirty="0" smtClean="0"/>
+              <a:t>周围</a:t>
+            </a:r>
+            <a:r>
+              <a:rPr lang="en-US" altLang="zh-CN" dirty="0" smtClean="0"/>
+              <a:t>4</a:t>
+            </a:r>
+            <a:r>
+              <a:rPr lang="zh-CN" altLang="en-US" dirty="0" smtClean="0"/>
+              <a:t>个</a:t>
+            </a:r>
+            <a:r>
+              <a:rPr lang="en-US" altLang="zh-CN" dirty="0" smtClean="0"/>
+              <a:t>Pad</a:t>
+            </a:r>
+            <a:r>
+              <a:rPr lang="zh-CN" altLang="en-US" dirty="0" smtClean="0"/>
+              <a:t>有感应信号，最大感应信号为击中</a:t>
+            </a:r>
+            <a:r>
+              <a:rPr lang="en-US" altLang="zh-CN" dirty="0" smtClean="0"/>
+              <a:t>Pad</a:t>
+            </a:r>
+            <a:r>
+              <a:rPr lang="zh-CN" altLang="en-US" dirty="0" smtClean="0"/>
+              <a:t>的</a:t>
+            </a:r>
+            <a:r>
+              <a:rPr lang="en-US" altLang="zh-CN" dirty="0" smtClean="0"/>
+              <a:t>0.46%</a:t>
+            </a:r>
+            <a:endParaRPr lang="zh-CN" altLang="en-US" dirty="0"/>
+          </a:p>
+        </p:txBody>
+      </p:sp>
+      <p:grpSp>
+        <p:nvGrpSpPr>
+          <p:cNvPr id="6" name="组合 5"/>
+          <p:cNvGrpSpPr/>
+          <p:nvPr/>
+        </p:nvGrpSpPr>
+        <p:grpSpPr>
+          <a:xfrm>
+            <a:off x="66779" y="2898000"/>
+            <a:ext cx="9056160" cy="3960000"/>
+            <a:chOff x="87840" y="2394858"/>
+            <a:chExt cx="9056160" cy="3960000"/>
+          </a:xfrm>
+        </p:grpSpPr>
+        <p:pic>
+          <p:nvPicPr>
+            <p:cNvPr id="4" name="图片 3"/>
+            <p:cNvPicPr>
+              <a:picLocks noChangeAspect="1"/>
+            </p:cNvPicPr>
+            <p:nvPr/>
+          </p:nvPicPr>
+          <p:blipFill rotWithShape="1">
+            <a:blip r:embed="rId2">
+              <a:extLst>
+                <a:ext uri="{28A0092B-C50C-407E-A947-70E740481C1C}">
+                  <a14:useLocalDpi xmlns:a14="http://schemas.microsoft.com/office/drawing/2010/main" val="0"/>
+                </a:ext>
+              </a:extLst>
+            </a:blip>
+            <a:srcRect l="3701" t="5647" r="7320" b="5827"/>
+            <a:stretch/>
+          </p:blipFill>
+          <p:spPr>
+            <a:xfrm>
+              <a:off x="3836952" y="2394858"/>
+              <a:ext cx="5307048" cy="3960000"/>
+            </a:xfrm>
+            <a:prstGeom prst="rect">
+              <a:avLst/>
+            </a:prstGeom>
+          </p:spPr>
+        </p:pic>
+        <p:pic>
+          <p:nvPicPr>
+            <p:cNvPr id="5" name="图片 4"/>
+            <p:cNvPicPr>
+              <a:picLocks noChangeAspect="1"/>
+            </p:cNvPicPr>
+            <p:nvPr/>
+          </p:nvPicPr>
+          <p:blipFill rotWithShape="1">
+            <a:blip r:embed="rId3">
+              <a:extLst>
+                <a:ext uri="{28A0092B-C50C-407E-A947-70E740481C1C}">
+                  <a14:useLocalDpi xmlns:a14="http://schemas.microsoft.com/office/drawing/2010/main" val="0"/>
+                </a:ext>
+              </a:extLst>
+            </a:blip>
+            <a:srcRect l="15986" t="4195" r="15986"/>
+            <a:stretch/>
+          </p:blipFill>
+          <p:spPr>
+            <a:xfrm>
+              <a:off x="87840" y="2394858"/>
+              <a:ext cx="3749112" cy="3960000"/>
+            </a:xfrm>
+            <a:prstGeom prst="rect">
+              <a:avLst/>
+            </a:prstGeom>
+          </p:spPr>
+        </p:pic>
+      </p:grpSp>
+    </p:spTree>
+    <p:extLst>
+      <p:ext uri="{BB962C8B-B14F-4D97-AF65-F5344CB8AC3E}">
+        <p14:creationId xmlns:p14="http://schemas.microsoft.com/office/powerpoint/2010/main" val="1450383834"/>
+      </p:ext>
+    </p:extLst>
+  </p:cSld>
+  <p:clrMapOvr>
+    <a:masterClrMapping/>
+  </p:clrMapOvr>
+  <p:timing>
+    <p:tnLst>
+      <p:par>
+        <p:cTn id="1" dur="indefinite" restart="never" nodeType="tmRoot"/>
+      </p:par>
+    </p:tnLst>
+  </p:timing>
 </p:sld>
 </file>
 

--- a/Slides/SDHCAL_20170425.pptx
+++ b/Slides/SDHCAL_20170425.pptx
@@ -351,7 +351,7 @@
           <a:p>
             <a:fld id="{4BDF68E2-58F2-4D09-BE8B-E3BD06533059}" type="datetimeFigureOut">
               <a:rPr lang="en-US" smtClean="0"/>
-              <a:t>4/25/2017</a:t>
+              <a:t>4/26/2017</a:t>
             </a:fld>
             <a:endParaRPr lang="en-US" dirty="0"/>
           </a:p>
@@ -559,7 +559,7 @@
           <a:p>
             <a:fld id="{2E2D6473-DF6D-4702-B328-E0DD40540A4E}" type="datetimeFigureOut">
               <a:rPr lang="en-US" smtClean="0"/>
-              <a:t>4/25/2017</a:t>
+              <a:t>4/26/2017</a:t>
             </a:fld>
             <a:endParaRPr lang="en-US" dirty="0"/>
           </a:p>
@@ -815,7 +815,7 @@
           <a:p>
             <a:fld id="{E26F7E3A-B166-407D-9866-32884E7D5B37}" type="datetimeFigureOut">
               <a:rPr lang="en-US" smtClean="0"/>
-              <a:t>4/25/2017</a:t>
+              <a:t>4/26/2017</a:t>
             </a:fld>
             <a:endParaRPr lang="en-US" dirty="0"/>
           </a:p>
@@ -1025,7 +1025,7 @@
           <a:p>
             <a:fld id="{528FC5F6-F338-4AE4-BB23-26385BCFC423}" type="datetimeFigureOut">
               <a:rPr lang="en-US" smtClean="0"/>
-              <a:t>4/25/2017</a:t>
+              <a:t>4/26/2017</a:t>
             </a:fld>
             <a:endParaRPr lang="en-US" dirty="0"/>
           </a:p>
@@ -1368,7 +1368,7 @@
           <a:p>
             <a:fld id="{20EBB0C4-6273-4C6E-B9BD-2EDC30F1CD52}" type="datetimeFigureOut">
               <a:rPr lang="en-US" smtClean="0"/>
-              <a:t>4/25/2017</a:t>
+              <a:t>4/26/2017</a:t>
             </a:fld>
             <a:endParaRPr lang="en-US" dirty="0"/>
           </a:p>
@@ -1643,7 +1643,7 @@
           <a:p>
             <a:fld id="{19AB4D41-86C1-4908-B66A-0B50CEB3BF29}" type="datetimeFigureOut">
               <a:rPr lang="en-US" smtClean="0"/>
-              <a:t>4/25/2017</a:t>
+              <a:t>4/26/2017</a:t>
             </a:fld>
             <a:endParaRPr lang="en-US" dirty="0"/>
           </a:p>
@@ -2022,7 +2022,7 @@
           <a:p>
             <a:fld id="{E6426E2C-56C1-4E0D-A793-0088A7FDD37E}" type="datetimeFigureOut">
               <a:rPr lang="en-US" smtClean="0"/>
-              <a:t>4/25/2017</a:t>
+              <a:t>4/26/2017</a:t>
             </a:fld>
             <a:endParaRPr lang="en-US" dirty="0"/>
           </a:p>
@@ -2140,7 +2140,7 @@
           <a:p>
             <a:fld id="{C8C39B41-D8B5-4052-B551-9B5525EAA8B6}" type="datetimeFigureOut">
               <a:rPr lang="en-US" smtClean="0"/>
-              <a:t>4/25/2017</a:t>
+              <a:t>4/26/2017</a:t>
             </a:fld>
             <a:endParaRPr lang="en-US" dirty="0"/>
           </a:p>
@@ -2311,7 +2311,7 @@
           <a:p>
             <a:fld id="{4D94136C-8742-45B2-AF27-D93DF72833A9}" type="datetimeFigureOut">
               <a:rPr lang="en-US" smtClean="0"/>
-              <a:t>4/25/2017</a:t>
+              <a:t>4/26/2017</a:t>
             </a:fld>
             <a:endParaRPr lang="en-US" dirty="0"/>
           </a:p>
@@ -2666,7 +2666,7 @@
           <a:p>
             <a:fld id="{32ABBEA6-7C60-4B02-AE87-00D78D8422AF}" type="datetimeFigureOut">
               <a:rPr lang="en-US" smtClean="0"/>
-              <a:t>4/25/2017</a:t>
+              <a:t>4/26/2017</a:t>
             </a:fld>
             <a:endParaRPr lang="en-US" dirty="0"/>
           </a:p>
@@ -3049,7 +3049,7 @@
           <a:p>
             <a:fld id="{C9CAD897-D46E-4AD2-BD9B-49DD3E640873}" type="datetimeFigureOut">
               <a:rPr lang="en-US" smtClean="0"/>
-              <a:t>4/25/2017</a:t>
+              <a:t>4/26/2017</a:t>
             </a:fld>
             <a:endParaRPr lang="en-US" dirty="0"/>
           </a:p>
@@ -3336,7 +3336,7 @@
           <a:p>
             <a:fld id="{98624D31-43A5-475A-80CF-332C9F6DCF35}" type="datetimeFigureOut">
               <a:rPr lang="en-US" smtClean="0"/>
-              <a:t>4/25/2017</a:t>
+              <a:t>4/26/2017</a:t>
             </a:fld>
             <a:endParaRPr lang="en-US" dirty="0"/>
           </a:p>
@@ -4165,6 +4165,34 @@
           <a:p>
             <a:pPr lvl="1"/>
             <a:r>
+              <a:rPr lang="zh-CN" altLang="en-US" dirty="0"/>
+              <a:t>会记录下宇宙线</a:t>
+            </a:r>
+            <a:r>
+              <a:rPr lang="zh-CN" altLang="en-US" dirty="0" smtClean="0"/>
+              <a:t>事例</a:t>
+            </a:r>
+            <a:endParaRPr lang="en-US" altLang="zh-CN" dirty="0" smtClean="0"/>
+          </a:p>
+          <a:p>
+            <a:pPr lvl="1"/>
+            <a:r>
+              <a:rPr lang="zh-CN" altLang="en-US" dirty="0" smtClean="0"/>
+              <a:t>解决办法：调高</a:t>
+            </a:r>
+            <a:r>
+              <a:rPr lang="en-US" altLang="zh-CN" dirty="0" smtClean="0"/>
+              <a:t>X</a:t>
+            </a:r>
+            <a:r>
+              <a:rPr lang="zh-CN" altLang="en-US" dirty="0" smtClean="0"/>
+              <a:t>光机事例率：</a:t>
+            </a:r>
+            <a:endParaRPr lang="en-US" altLang="zh-CN" dirty="0" smtClean="0"/>
+          </a:p>
+          <a:p>
+            <a:pPr lvl="2"/>
+            <a:r>
               <a:rPr lang="zh-CN" altLang="en-US" dirty="0" smtClean="0"/>
               <a:t>调节</a:t>
             </a:r>
@@ -4174,24 +4202,15 @@
             </a:r>
             <a:r>
               <a:rPr lang="en-US" altLang="zh-CN" dirty="0" smtClean="0"/>
-              <a:t>30 counts/sec</a:t>
-            </a:r>
-            <a:endParaRPr lang="en-US" altLang="zh-CN" dirty="0" smtClean="0"/>
-          </a:p>
-          <a:p>
-            <a:pPr lvl="1"/>
+              <a:t>30 </a:t>
+            </a:r>
             <a:r>
               <a:rPr lang="en-US" altLang="zh-CN" dirty="0" smtClean="0"/>
-              <a:t> </a:t>
-            </a:r>
-            <a:r>
-              <a:rPr lang="zh-CN" altLang="en-US" dirty="0" smtClean="0"/>
-              <a:t>会记录下宇宙线</a:t>
-            </a:r>
-            <a:r>
-              <a:rPr lang="zh-CN" altLang="en-US" dirty="0" smtClean="0"/>
-              <a:t>事例</a:t>
-            </a:r>
+              <a:t>counts/sec</a:t>
+            </a:r>
+          </a:p>
+          <a:p>
+            <a:pPr lvl="2"/>
             <a:endParaRPr lang="en-US" altLang="zh-CN" dirty="0" smtClean="0"/>
           </a:p>
           <a:p>
@@ -4201,11 +4220,7 @@
           <a:p>
             <a:r>
               <a:rPr lang="zh-CN" altLang="en-US" dirty="0" smtClean="0"/>
-              <a:t>串扰</a:t>
-            </a:r>
-            <a:r>
-              <a:rPr lang="zh-CN" altLang="en-US" dirty="0" smtClean="0"/>
-              <a:t>数据分析</a:t>
+              <a:t>串扰数据分析</a:t>
             </a:r>
             <a:endParaRPr lang="en-US" altLang="zh-CN" dirty="0" smtClean="0"/>
           </a:p>
@@ -4221,11 +4236,7 @@
             </a:r>
             <a:r>
               <a:rPr lang="zh-CN" altLang="en-US" dirty="0" smtClean="0"/>
-              <a:t>个阈，分析串扰不是很</a:t>
-            </a:r>
-            <a:r>
-              <a:rPr lang="zh-CN" altLang="en-US" dirty="0" smtClean="0"/>
-              <a:t>精确</a:t>
+              <a:t>个阈，分析串扰不是很精确</a:t>
             </a:r>
             <a:endParaRPr lang="en-US" altLang="zh-CN" dirty="0" smtClean="0"/>
           </a:p>
@@ -4233,7 +4244,29 @@
             <a:pPr lvl="1"/>
             <a:r>
               <a:rPr lang="zh-CN" altLang="en-US" dirty="0" smtClean="0"/>
-              <a:t>解决办法：进行扫域</a:t>
+              <a:t>解决办法：进行扫</a:t>
+            </a:r>
+            <a:r>
+              <a:rPr lang="zh-CN" altLang="en-US" dirty="0" smtClean="0"/>
+              <a:t>域</a:t>
+            </a:r>
+            <a:endParaRPr lang="en-US" altLang="zh-CN" dirty="0" smtClean="0">
+              <a:sym typeface="Wingdings" panose="05000000000000000000" pitchFamily="2" charset="2"/>
+            </a:endParaRPr>
+          </a:p>
+          <a:p>
+            <a:pPr lvl="2"/>
+            <a:r>
+              <a:rPr lang="en-US" altLang="zh-CN" dirty="0">
+                <a:sym typeface="Wingdings" panose="05000000000000000000" pitchFamily="2" charset="2"/>
+              </a:rPr>
+              <a:t></a:t>
+            </a:r>
+            <a:r>
+              <a:rPr lang="zh-CN" altLang="en-US" dirty="0" smtClean="0">
+                <a:sym typeface="Wingdings" panose="05000000000000000000" pitchFamily="2" charset="2"/>
+              </a:rPr>
+              <a:t>相同的问题：计数率低，扫域时间很长</a:t>
             </a:r>
             <a:endParaRPr lang="en-US" altLang="zh-CN" dirty="0" smtClean="0"/>
           </a:p>
@@ -4356,7 +4389,27 @@
             <a:pPr lvl="1"/>
             <a:r>
               <a:rPr lang="zh-CN" altLang="en-US" dirty="0" smtClean="0"/>
-              <a:t>曲线不够平滑，做差没有效果</a:t>
+              <a:t>曲线不够平滑，做差没有</a:t>
+            </a:r>
+            <a:r>
+              <a:rPr lang="zh-CN" altLang="en-US" dirty="0" smtClean="0"/>
+              <a:t>效果</a:t>
+            </a:r>
+            <a:endParaRPr lang="en-US" altLang="zh-CN" dirty="0" smtClean="0"/>
+          </a:p>
+          <a:p>
+            <a:pPr lvl="1"/>
+            <a:r>
+              <a:rPr lang="zh-CN" altLang="en-US" smtClean="0"/>
+              <a:t>解决办法：</a:t>
+            </a:r>
+            <a:endParaRPr lang="en-US" altLang="zh-CN" dirty="0" smtClean="0"/>
+          </a:p>
+          <a:p>
+            <a:pPr lvl="2"/>
+            <a:r>
+              <a:rPr lang="zh-CN" altLang="en-US" dirty="0" smtClean="0"/>
+              <a:t>通过取平均的办法让数据平滑一点</a:t>
             </a:r>
             <a:endParaRPr lang="en-US" altLang="zh-CN" dirty="0"/>
           </a:p>
@@ -4373,7 +4426,7 @@
           </p:cNvPicPr>
           <p:nvPr/>
         </p:nvPicPr>
-        <p:blipFill>
+        <p:blipFill rotWithShape="1">
           <a:blip r:embed="rId2">
             <a:extLst>
               <a:ext uri="{28A0092B-C50C-407E-A947-70E740481C1C}">
@@ -4381,14 +4434,13 @@
               </a:ext>
             </a:extLst>
           </a:blip>
-          <a:stretch>
-            <a:fillRect/>
-          </a:stretch>
+          <a:srcRect r="5396"/>
+          <a:stretch/>
         </p:blipFill>
         <p:spPr>
           <a:xfrm>
-            <a:off x="4824000" y="3025319"/>
-            <a:ext cx="4320000" cy="3240000"/>
+            <a:off x="5057082" y="3043248"/>
+            <a:ext cx="4086918" cy="3240000"/>
           </a:xfrm>
           <a:prstGeom prst="rect">
             <a:avLst/>
@@ -4702,11 +4754,7 @@
           <a:p>
             <a:r>
               <a:rPr lang="zh-CN" altLang="en-US" dirty="0" smtClean="0"/>
-              <a:t>探测器</a:t>
-            </a:r>
-            <a:r>
-              <a:rPr lang="zh-CN" altLang="en-US" dirty="0" smtClean="0"/>
-              <a:t>联调测试</a:t>
+              <a:t>探测器联调测试</a:t>
             </a:r>
             <a:endParaRPr lang="en-US" altLang="zh-CN" dirty="0" smtClean="0"/>
           </a:p>
@@ -4722,11 +4770,7 @@
             <a:pPr lvl="1"/>
             <a:r>
               <a:rPr lang="zh-CN" altLang="en-US" dirty="0" smtClean="0"/>
-              <a:t>串扰</a:t>
-            </a:r>
-            <a:r>
-              <a:rPr lang="zh-CN" altLang="en-US" dirty="0" smtClean="0"/>
-              <a:t>测试</a:t>
+              <a:t>串扰测试</a:t>
             </a:r>
             <a:endParaRPr lang="en-US" altLang="zh-CN" dirty="0" smtClean="0"/>
           </a:p>
@@ -5396,11 +5440,7 @@
             </a:r>
             <a:r>
               <a:rPr lang="zh-CN" altLang="en-US" dirty="0" smtClean="0"/>
-              <a:t>电荷</a:t>
-            </a:r>
-            <a:r>
-              <a:rPr lang="zh-CN" altLang="en-US" dirty="0" smtClean="0"/>
-              <a:t>量差异</a:t>
+              <a:t>电荷量差异</a:t>
             </a:r>
             <a:endParaRPr lang="en-US" altLang="zh-CN" dirty="0" smtClean="0"/>
           </a:p>
@@ -6162,7 +6202,7 @@
           <p:nvPr>
             <p:extLst>
               <p:ext uri="{D42A27DB-BD31-4B8C-83A1-F6EECF244321}">
-                <p14:modId xmlns:p14="http://schemas.microsoft.com/office/powerpoint/2010/main" val="4242162735"/>
+                <p14:modId xmlns:p14="http://schemas.microsoft.com/office/powerpoint/2010/main" val="628577944"/>
               </p:ext>
             </p:extLst>
           </p:nvPr>
@@ -6238,10 +6278,10 @@
                     <a:p>
                       <a:pPr algn="ctr"/>
                       <a:r>
-                        <a:rPr lang="en-US" altLang="zh-CN" dirty="0" smtClean="0"/>
+                        <a:rPr lang="en-US" altLang="zh-CN" b="1" dirty="0" smtClean="0"/>
                         <a:t>D1</a:t>
                       </a:r>
-                      <a:endParaRPr lang="zh-CN" altLang="en-US" dirty="0"/>
+                      <a:endParaRPr lang="zh-CN" altLang="en-US" b="1" dirty="0"/>
                     </a:p>
                   </a:txBody>
                   <a:tcPr/>
@@ -6253,10 +6293,10 @@
                     <a:p>
                       <a:pPr algn="ctr"/>
                       <a:r>
-                        <a:rPr lang="en-US" altLang="zh-CN" dirty="0" smtClean="0"/>
+                        <a:rPr lang="en-US" altLang="zh-CN" b="1" dirty="0" smtClean="0"/>
                         <a:t>D0</a:t>
                       </a:r>
-                      <a:endParaRPr lang="zh-CN" altLang="en-US" dirty="0"/>
+                      <a:endParaRPr lang="zh-CN" altLang="en-US" b="1" dirty="0"/>
                     </a:p>
                   </a:txBody>
                   <a:tcPr/>
@@ -6338,10 +6378,10 @@
                     <a:p>
                       <a:pPr algn="ctr"/>
                       <a:r>
-                        <a:rPr lang="en-US" altLang="zh-CN" dirty="0" smtClean="0"/>
+                        <a:rPr lang="en-US" altLang="zh-CN" b="1" dirty="0" smtClean="0"/>
                         <a:t>0</a:t>
                       </a:r>
-                      <a:endParaRPr lang="zh-CN" altLang="en-US" dirty="0"/>
+                      <a:endParaRPr lang="zh-CN" altLang="en-US" b="1" dirty="0"/>
                     </a:p>
                   </a:txBody>
                   <a:tcPr/>
@@ -6353,10 +6393,10 @@
                     <a:p>
                       <a:pPr algn="ctr"/>
                       <a:r>
-                        <a:rPr lang="en-US" altLang="zh-CN" dirty="0" smtClean="0"/>
+                        <a:rPr lang="en-US" altLang="zh-CN" b="1" dirty="0" smtClean="0"/>
                         <a:t>0</a:t>
                       </a:r>
-                      <a:endParaRPr lang="zh-CN" altLang="en-US" dirty="0"/>
+                      <a:endParaRPr lang="zh-CN" altLang="en-US" b="1" dirty="0"/>
                     </a:p>
                   </a:txBody>
                   <a:tcPr/>
@@ -6430,10 +6470,10 @@
                     <a:p>
                       <a:pPr algn="ctr"/>
                       <a:r>
-                        <a:rPr lang="en-US" altLang="zh-CN" dirty="0" smtClean="0"/>
+                        <a:rPr lang="en-US" altLang="zh-CN" b="1" dirty="0" smtClean="0"/>
                         <a:t>0</a:t>
                       </a:r>
-                      <a:endParaRPr lang="zh-CN" altLang="en-US" dirty="0"/>
+                      <a:endParaRPr lang="zh-CN" altLang="en-US" b="1" dirty="0"/>
                     </a:p>
                   </a:txBody>
                   <a:tcPr/>
@@ -6445,10 +6485,10 @@
                     <a:p>
                       <a:pPr algn="ctr"/>
                       <a:r>
-                        <a:rPr lang="en-US" altLang="zh-CN" dirty="0" smtClean="0"/>
+                        <a:rPr lang="en-US" altLang="zh-CN" b="1" dirty="0" smtClean="0"/>
                         <a:t>1</a:t>
                       </a:r>
-                      <a:endParaRPr lang="zh-CN" altLang="en-US" dirty="0"/>
+                      <a:endParaRPr lang="zh-CN" altLang="en-US" b="1" dirty="0"/>
                     </a:p>
                   </a:txBody>
                   <a:tcPr/>
@@ -6522,10 +6562,10 @@
                     <a:p>
                       <a:pPr algn="ctr"/>
                       <a:r>
-                        <a:rPr lang="en-US" altLang="zh-CN" dirty="0" smtClean="0"/>
+                        <a:rPr lang="en-US" altLang="zh-CN" b="1" dirty="0" smtClean="0"/>
                         <a:t>1</a:t>
                       </a:r>
-                      <a:endParaRPr lang="zh-CN" altLang="en-US" dirty="0"/>
+                      <a:endParaRPr lang="zh-CN" altLang="en-US" b="1" dirty="0"/>
                     </a:p>
                   </a:txBody>
                   <a:tcPr/>
@@ -6537,10 +6577,10 @@
                     <a:p>
                       <a:pPr algn="ctr"/>
                       <a:r>
-                        <a:rPr lang="en-US" altLang="zh-CN" dirty="0" smtClean="0"/>
+                        <a:rPr lang="en-US" altLang="zh-CN" b="1" dirty="0" smtClean="0"/>
                         <a:t>0</a:t>
                       </a:r>
-                      <a:endParaRPr lang="zh-CN" altLang="en-US" dirty="0"/>
+                      <a:endParaRPr lang="zh-CN" altLang="en-US" b="1" dirty="0"/>
                     </a:p>
                   </a:txBody>
                   <a:tcPr/>
@@ -6614,10 +6654,10 @@
                     <a:p>
                       <a:pPr algn="ctr"/>
                       <a:r>
-                        <a:rPr lang="en-US" altLang="zh-CN" dirty="0" smtClean="0"/>
+                        <a:rPr lang="en-US" altLang="zh-CN" b="1" dirty="0" smtClean="0"/>
                         <a:t>1</a:t>
                       </a:r>
-                      <a:endParaRPr lang="zh-CN" altLang="en-US" dirty="0"/>
+                      <a:endParaRPr lang="zh-CN" altLang="en-US" b="1" dirty="0"/>
                     </a:p>
                   </a:txBody>
                   <a:tcPr/>
@@ -6629,10 +6669,10 @@
                     <a:p>
                       <a:pPr algn="ctr"/>
                       <a:r>
-                        <a:rPr lang="en-US" altLang="zh-CN" dirty="0" smtClean="0"/>
+                        <a:rPr lang="en-US" altLang="zh-CN" b="1" dirty="0" smtClean="0"/>
                         <a:t>1</a:t>
                       </a:r>
-                      <a:endParaRPr lang="zh-CN" altLang="en-US" dirty="0"/>
+                      <a:endParaRPr lang="zh-CN" altLang="en-US" b="1" dirty="0"/>
                     </a:p>
                   </a:txBody>
                   <a:tcPr/>
